--- a/resources/final_presentation.pptx
+++ b/resources/final_presentation.pptx
@@ -6,7 +6,7 @@
     <p:sldMasterId id="2147483661" r:id="rId2"/>
   </p:sldMasterIdLst>
   <p:notesMasterIdLst>
-    <p:notesMasterId r:id="rId27"/>
+    <p:notesMasterId r:id="rId32"/>
   </p:notesMasterIdLst>
   <p:sldIdLst>
     <p:sldId id="271" r:id="rId3"/>
@@ -16,23 +16,28 @@
     <p:sldId id="267" r:id="rId7"/>
     <p:sldId id="268" r:id="rId8"/>
     <p:sldId id="269" r:id="rId9"/>
-    <p:sldId id="272" r:id="rId10"/>
-    <p:sldId id="273" r:id="rId11"/>
-    <p:sldId id="274" r:id="rId12"/>
-    <p:sldId id="275" r:id="rId13"/>
-    <p:sldId id="276" r:id="rId14"/>
-    <p:sldId id="277" r:id="rId15"/>
-    <p:sldId id="257" r:id="rId16"/>
-    <p:sldId id="258" r:id="rId17"/>
-    <p:sldId id="259" r:id="rId18"/>
-    <p:sldId id="260" r:id="rId19"/>
-    <p:sldId id="261" r:id="rId20"/>
-    <p:sldId id="262" r:id="rId21"/>
+    <p:sldId id="273" r:id="rId10"/>
+    <p:sldId id="274" r:id="rId11"/>
+    <p:sldId id="275" r:id="rId12"/>
+    <p:sldId id="276" r:id="rId13"/>
+    <p:sldId id="277" r:id="rId14"/>
+    <p:sldId id="257" r:id="rId15"/>
+    <p:sldId id="258" r:id="rId16"/>
+    <p:sldId id="259" r:id="rId17"/>
+    <p:sldId id="260" r:id="rId18"/>
+    <p:sldId id="261" r:id="rId19"/>
+    <p:sldId id="262" r:id="rId20"/>
+    <p:sldId id="288" r:id="rId21"/>
     <p:sldId id="278" r:id="rId22"/>
     <p:sldId id="279" r:id="rId23"/>
     <p:sldId id="280" r:id="rId24"/>
     <p:sldId id="281" r:id="rId25"/>
     <p:sldId id="282" r:id="rId26"/>
+    <p:sldId id="283" r:id="rId27"/>
+    <p:sldId id="284" r:id="rId28"/>
+    <p:sldId id="285" r:id="rId29"/>
+    <p:sldId id="286" r:id="rId30"/>
+    <p:sldId id="287" r:id="rId31"/>
   </p:sldIdLst>
   <p:sldSz cx="12192000" cy="6858000"/>
   <p:notesSz cx="6858000" cy="9144000"/>
@@ -131,6 +136,11 @@
       </a:defRPr>
     </a:lvl9pPr>
   </p:defaultTextStyle>
+  <p:extLst>
+    <p:ext uri="{EFAFB233-063F-42B5-8137-9DF3F51BA10A}">
+      <p15:sldGuideLst xmlns:p15="http://schemas.microsoft.com/office/powerpoint/2012/main"/>
+    </p:ext>
+  </p:extLst>
 </p:presentation>
 </file>
 
@@ -522,7 +532,7 @@
           <a:p>
             <a:pPr lvl="0"/>
             <a:fld id="{4F94452D-8B2E-460E-ACCC-B56C3D8CECF5}" type="slidenum">
-              <a:t>14</a:t>
+              <a:t>13</a:t>
             </a:fld>
             <a:endParaRPr lang="en-GB"/>
           </a:p>
@@ -579,6 +589,214 @@
     <p:extLst>
       <p:ext uri="{BB962C8B-B14F-4D97-AF65-F5344CB8AC3E}">
         <p14:creationId xmlns:p14="http://schemas.microsoft.com/office/powerpoint/2010/main" val="2439009077"/>
+      </p:ext>
+    </p:extLst>
+  </p:cSld>
+  <p:clrMapOvr>
+    <a:masterClrMapping/>
+  </p:clrMapOvr>
+</p:notes>
+</file>
+
+<file path=ppt/notesSlides/notesSlide10.xml><?xml version="1.0" encoding="utf-8"?>
+<p:notes xmlns:a="http://schemas.openxmlformats.org/drawingml/2006/main" xmlns:r="http://schemas.openxmlformats.org/officeDocument/2006/relationships" xmlns:p="http://schemas.openxmlformats.org/presentationml/2006/main">
+  <p:cSld>
+    <p:spTree>
+      <p:nvGrpSpPr>
+        <p:cNvPr id="1" name=""/>
+        <p:cNvGrpSpPr/>
+        <p:nvPr/>
+      </p:nvGrpSpPr>
+      <p:grpSpPr>
+        <a:xfrm>
+          <a:off x="0" y="0"/>
+          <a:ext cx="0" cy="0"/>
+          <a:chOff x="0" y="0"/>
+          <a:chExt cx="0" cy="0"/>
+        </a:xfrm>
+      </p:grpSpPr>
+      <p:sp>
+        <p:nvSpPr>
+          <p:cNvPr id="7" name=" 6"/>
+          <p:cNvSpPr txBox="1">
+            <a:spLocks noGrp="1"/>
+          </p:cNvSpPr>
+          <p:nvPr>
+            <p:ph type="sldNum" sz="quarter" idx="5"/>
+          </p:nvPr>
+        </p:nvSpPr>
+        <p:spPr>
+          <a:ln/>
+        </p:spPr>
+        <p:txBody>
+          <a:bodyPr lIns="0" tIns="0" rIns="0" bIns="0" anchor="b" anchorCtr="0">
+            <a:noAutofit/>
+          </a:bodyPr>
+          <a:lstStyle/>
+          <a:p>
+            <a:pPr lvl="0"/>
+            <a:fld id="{6DD5F923-8CF0-409D-990C-17665D35C858}" type="slidenum">
+              <a:t>27</a:t>
+            </a:fld>
+            <a:endParaRPr lang="en-GB"/>
+          </a:p>
+        </p:txBody>
+      </p:sp>
+      <p:sp>
+        <p:nvSpPr>
+          <p:cNvPr id="2" name="Slide Image Placeholder 1"/>
+          <p:cNvSpPr>
+            <a:spLocks noGrp="1" noRot="1" noChangeAspect="1" noResize="1"/>
+          </p:cNvSpPr>
+          <p:nvPr>
+            <p:ph type="sldImg"/>
+          </p:nvPr>
+        </p:nvSpPr>
+        <p:spPr>
+          <a:xfrm>
+            <a:off x="217488" y="812800"/>
+            <a:ext cx="7123112" cy="4008438"/>
+          </a:xfrm>
+          <a:solidFill>
+            <a:schemeClr val="accent1"/>
+          </a:solidFill>
+          <a:ln w="25400">
+            <a:solidFill>
+              <a:schemeClr val="accent1">
+                <a:shade val="50000"/>
+              </a:schemeClr>
+            </a:solidFill>
+            <a:prstDash val="solid"/>
+          </a:ln>
+        </p:spPr>
+      </p:sp>
+      <p:sp>
+        <p:nvSpPr>
+          <p:cNvPr id="3" name=" 2"/>
+          <p:cNvSpPr txBox="1">
+            <a:spLocks noGrp="1"/>
+          </p:cNvSpPr>
+          <p:nvPr>
+            <p:ph type="body" sz="quarter" idx="1"/>
+          </p:nvPr>
+        </p:nvSpPr>
+        <p:spPr/>
+        <p:txBody>
+          <a:bodyPr/>
+          <a:lstStyle/>
+          <a:p>
+            <a:endParaRPr lang="en-GB"/>
+          </a:p>
+        </p:txBody>
+      </p:sp>
+    </p:spTree>
+    <p:extLst>
+      <p:ext uri="{BB962C8B-B14F-4D97-AF65-F5344CB8AC3E}">
+        <p14:creationId xmlns:p14="http://schemas.microsoft.com/office/powerpoint/2010/main" val="679268391"/>
+      </p:ext>
+    </p:extLst>
+  </p:cSld>
+  <p:clrMapOvr>
+    <a:masterClrMapping/>
+  </p:clrMapOvr>
+</p:notes>
+</file>
+
+<file path=ppt/notesSlides/notesSlide11.xml><?xml version="1.0" encoding="utf-8"?>
+<p:notes xmlns:a="http://schemas.openxmlformats.org/drawingml/2006/main" xmlns:r="http://schemas.openxmlformats.org/officeDocument/2006/relationships" xmlns:p="http://schemas.openxmlformats.org/presentationml/2006/main">
+  <p:cSld>
+    <p:spTree>
+      <p:nvGrpSpPr>
+        <p:cNvPr id="1" name=""/>
+        <p:cNvGrpSpPr/>
+        <p:nvPr/>
+      </p:nvGrpSpPr>
+      <p:grpSpPr>
+        <a:xfrm>
+          <a:off x="0" y="0"/>
+          <a:ext cx="0" cy="0"/>
+          <a:chOff x="0" y="0"/>
+          <a:chExt cx="0" cy="0"/>
+        </a:xfrm>
+      </p:grpSpPr>
+      <p:sp>
+        <p:nvSpPr>
+          <p:cNvPr id="7" name=" 6"/>
+          <p:cNvSpPr txBox="1">
+            <a:spLocks noGrp="1"/>
+          </p:cNvSpPr>
+          <p:nvPr>
+            <p:ph type="sldNum" sz="quarter" idx="5"/>
+          </p:nvPr>
+        </p:nvSpPr>
+        <p:spPr>
+          <a:ln/>
+        </p:spPr>
+        <p:txBody>
+          <a:bodyPr lIns="0" tIns="0" rIns="0" bIns="0" anchor="b" anchorCtr="0">
+            <a:noAutofit/>
+          </a:bodyPr>
+          <a:lstStyle/>
+          <a:p>
+            <a:pPr lvl="0"/>
+            <a:fld id="{484F1371-E931-41F3-8E4C-96917AD29584}" type="slidenum">
+              <a:t>28</a:t>
+            </a:fld>
+            <a:endParaRPr lang="en-GB"/>
+          </a:p>
+        </p:txBody>
+      </p:sp>
+      <p:sp>
+        <p:nvSpPr>
+          <p:cNvPr id="2" name="Slide Image Placeholder 1"/>
+          <p:cNvSpPr>
+            <a:spLocks noGrp="1" noRot="1" noChangeAspect="1" noResize="1"/>
+          </p:cNvSpPr>
+          <p:nvPr>
+            <p:ph type="sldImg"/>
+          </p:nvPr>
+        </p:nvSpPr>
+        <p:spPr>
+          <a:xfrm>
+            <a:off x="217488" y="812800"/>
+            <a:ext cx="7123112" cy="4008438"/>
+          </a:xfrm>
+          <a:solidFill>
+            <a:schemeClr val="accent1"/>
+          </a:solidFill>
+          <a:ln w="25400">
+            <a:solidFill>
+              <a:schemeClr val="accent1">
+                <a:shade val="50000"/>
+              </a:schemeClr>
+            </a:solidFill>
+            <a:prstDash val="solid"/>
+          </a:ln>
+        </p:spPr>
+      </p:sp>
+      <p:sp>
+        <p:nvSpPr>
+          <p:cNvPr id="3" name=" 2"/>
+          <p:cNvSpPr txBox="1">
+            <a:spLocks noGrp="1"/>
+          </p:cNvSpPr>
+          <p:nvPr>
+            <p:ph type="body" sz="quarter" idx="1"/>
+          </p:nvPr>
+        </p:nvSpPr>
+        <p:spPr/>
+        <p:txBody>
+          <a:bodyPr/>
+          <a:lstStyle/>
+          <a:p>
+            <a:endParaRPr lang="en-GB"/>
+          </a:p>
+        </p:txBody>
+      </p:sp>
+    </p:spTree>
+    <p:extLst>
+      <p:ext uri="{BB962C8B-B14F-4D97-AF65-F5344CB8AC3E}">
+        <p14:creationId xmlns:p14="http://schemas.microsoft.com/office/powerpoint/2010/main" val="1410317536"/>
       </p:ext>
     </p:extLst>
   </p:cSld>
@@ -626,7 +844,7 @@
           <a:p>
             <a:pPr lvl="0"/>
             <a:fld id="{0EC48DF0-F3ED-4D6D-9A17-3F10BD05F2E6}" type="slidenum">
-              <a:t>15</a:t>
+              <a:t>14</a:t>
             </a:fld>
             <a:endParaRPr lang="en-GB"/>
           </a:p>
@@ -728,7 +946,7 @@
           <a:p>
             <a:pPr lvl="0"/>
             <a:fld id="{EE3E2F50-2D65-4CEE-8535-AC20A246D68F}" type="slidenum">
-              <a:t>16</a:t>
+              <a:t>15</a:t>
             </a:fld>
             <a:endParaRPr lang="en-GB"/>
           </a:p>
@@ -830,7 +1048,7 @@
           <a:p>
             <a:pPr lvl="0"/>
             <a:fld id="{A5EE37F4-EE2F-49A8-8DAC-A358D9E4DAB8}" type="slidenum">
-              <a:t>17</a:t>
+              <a:t>16</a:t>
             </a:fld>
             <a:endParaRPr lang="en-GB"/>
           </a:p>
@@ -932,7 +1150,7 @@
           <a:p>
             <a:pPr lvl="0"/>
             <a:fld id="{6A528E47-79DA-4A44-AEE2-F505292B9269}" type="slidenum">
-              <a:t>18</a:t>
+              <a:t>17</a:t>
             </a:fld>
             <a:endParaRPr lang="en-GB"/>
           </a:p>
@@ -1034,7 +1252,7 @@
           <a:p>
             <a:pPr lvl="0"/>
             <a:fld id="{37692519-18D1-49A2-9087-47B3F851084B}" type="slidenum">
-              <a:t>19</a:t>
+              <a:t>18</a:t>
             </a:fld>
             <a:endParaRPr lang="en-GB"/>
           </a:p>
@@ -1089,6 +1307,320 @@
     <p:extLst>
       <p:ext uri="{BB962C8B-B14F-4D97-AF65-F5344CB8AC3E}">
         <p14:creationId xmlns:p14="http://schemas.microsoft.com/office/powerpoint/2010/main" val="3046303454"/>
+      </p:ext>
+    </p:extLst>
+  </p:cSld>
+  <p:clrMapOvr>
+    <a:masterClrMapping/>
+  </p:clrMapOvr>
+</p:notes>
+</file>
+
+<file path=ppt/notesSlides/notesSlide7.xml><?xml version="1.0" encoding="utf-8"?>
+<p:notes xmlns:a="http://schemas.openxmlformats.org/drawingml/2006/main" xmlns:r="http://schemas.openxmlformats.org/officeDocument/2006/relationships" xmlns:p="http://schemas.openxmlformats.org/presentationml/2006/main">
+  <p:cSld>
+    <p:spTree>
+      <p:nvGrpSpPr>
+        <p:cNvPr id="1" name=""/>
+        <p:cNvGrpSpPr/>
+        <p:nvPr/>
+      </p:nvGrpSpPr>
+      <p:grpSpPr>
+        <a:xfrm>
+          <a:off x="0" y="0"/>
+          <a:ext cx="0" cy="0"/>
+          <a:chOff x="0" y="0"/>
+          <a:chExt cx="0" cy="0"/>
+        </a:xfrm>
+      </p:grpSpPr>
+      <p:sp>
+        <p:nvSpPr>
+          <p:cNvPr id="7" name=" 6"/>
+          <p:cNvSpPr txBox="1">
+            <a:spLocks noGrp="1"/>
+          </p:cNvSpPr>
+          <p:nvPr>
+            <p:ph type="sldNum" sz="quarter" idx="5"/>
+          </p:nvPr>
+        </p:nvSpPr>
+        <p:spPr>
+          <a:ln/>
+        </p:spPr>
+        <p:txBody>
+          <a:bodyPr lIns="0" tIns="0" rIns="0" bIns="0" anchor="b" anchorCtr="0">
+            <a:noAutofit/>
+          </a:bodyPr>
+          <a:lstStyle/>
+          <a:p>
+            <a:pPr lvl="0"/>
+            <a:fld id="{DDC9E417-7D99-40E6-93CF-40159C6409E5}" type="slidenum">
+              <a:t>24</a:t>
+            </a:fld>
+            <a:endParaRPr lang="en-GB"/>
+          </a:p>
+        </p:txBody>
+      </p:sp>
+      <p:sp>
+        <p:nvSpPr>
+          <p:cNvPr id="2" name="Slide Image Placeholder 1"/>
+          <p:cNvSpPr>
+            <a:spLocks noGrp="1" noRot="1" noChangeAspect="1" noResize="1"/>
+          </p:cNvSpPr>
+          <p:nvPr>
+            <p:ph type="sldImg"/>
+          </p:nvPr>
+        </p:nvSpPr>
+        <p:spPr>
+          <a:xfrm>
+            <a:off x="217488" y="812800"/>
+            <a:ext cx="7123112" cy="4008438"/>
+          </a:xfrm>
+          <a:solidFill>
+            <a:schemeClr val="accent1"/>
+          </a:solidFill>
+          <a:ln w="25400">
+            <a:solidFill>
+              <a:schemeClr val="accent1">
+                <a:shade val="50000"/>
+              </a:schemeClr>
+            </a:solidFill>
+            <a:prstDash val="solid"/>
+          </a:ln>
+        </p:spPr>
+      </p:sp>
+      <p:sp>
+        <p:nvSpPr>
+          <p:cNvPr id="3" name=" 2"/>
+          <p:cNvSpPr txBox="1">
+            <a:spLocks noGrp="1"/>
+          </p:cNvSpPr>
+          <p:nvPr>
+            <p:ph type="body" sz="quarter" idx="1"/>
+          </p:nvPr>
+        </p:nvSpPr>
+        <p:spPr/>
+        <p:txBody>
+          <a:bodyPr>
+            <a:spAutoFit/>
+          </a:bodyPr>
+          <a:lstStyle/>
+          <a:p>
+            <a:endParaRPr lang="en-GB"/>
+          </a:p>
+        </p:txBody>
+      </p:sp>
+    </p:spTree>
+    <p:extLst>
+      <p:ext uri="{BB962C8B-B14F-4D97-AF65-F5344CB8AC3E}">
+        <p14:creationId xmlns:p14="http://schemas.microsoft.com/office/powerpoint/2010/main" val="892068472"/>
+      </p:ext>
+    </p:extLst>
+  </p:cSld>
+  <p:clrMapOvr>
+    <a:masterClrMapping/>
+  </p:clrMapOvr>
+</p:notes>
+</file>
+
+<file path=ppt/notesSlides/notesSlide8.xml><?xml version="1.0" encoding="utf-8"?>
+<p:notes xmlns:a="http://schemas.openxmlformats.org/drawingml/2006/main" xmlns:r="http://schemas.openxmlformats.org/officeDocument/2006/relationships" xmlns:p="http://schemas.openxmlformats.org/presentationml/2006/main">
+  <p:cSld>
+    <p:spTree>
+      <p:nvGrpSpPr>
+        <p:cNvPr id="1" name=""/>
+        <p:cNvGrpSpPr/>
+        <p:nvPr/>
+      </p:nvGrpSpPr>
+      <p:grpSpPr>
+        <a:xfrm>
+          <a:off x="0" y="0"/>
+          <a:ext cx="0" cy="0"/>
+          <a:chOff x="0" y="0"/>
+          <a:chExt cx="0" cy="0"/>
+        </a:xfrm>
+      </p:grpSpPr>
+      <p:sp>
+        <p:nvSpPr>
+          <p:cNvPr id="7" name=" 6"/>
+          <p:cNvSpPr txBox="1">
+            <a:spLocks noGrp="1"/>
+          </p:cNvSpPr>
+          <p:nvPr>
+            <p:ph type="sldNum" sz="quarter" idx="5"/>
+          </p:nvPr>
+        </p:nvSpPr>
+        <p:spPr>
+          <a:ln/>
+        </p:spPr>
+        <p:txBody>
+          <a:bodyPr lIns="0" tIns="0" rIns="0" bIns="0" anchor="b" anchorCtr="0">
+            <a:noAutofit/>
+          </a:bodyPr>
+          <a:lstStyle/>
+          <a:p>
+            <a:pPr lvl="0"/>
+            <a:fld id="{913CF9F0-0137-498F-83FB-9E925AC6D187}" type="slidenum">
+              <a:t>25</a:t>
+            </a:fld>
+            <a:endParaRPr lang="en-GB"/>
+          </a:p>
+        </p:txBody>
+      </p:sp>
+      <p:sp>
+        <p:nvSpPr>
+          <p:cNvPr id="2" name="Slide Image Placeholder 1"/>
+          <p:cNvSpPr>
+            <a:spLocks noGrp="1" noRot="1" noChangeAspect="1" noResize="1"/>
+          </p:cNvSpPr>
+          <p:nvPr>
+            <p:ph type="sldImg"/>
+          </p:nvPr>
+        </p:nvSpPr>
+        <p:spPr>
+          <a:xfrm>
+            <a:off x="217488" y="812800"/>
+            <a:ext cx="7123112" cy="4008438"/>
+          </a:xfrm>
+          <a:solidFill>
+            <a:schemeClr val="accent1"/>
+          </a:solidFill>
+          <a:ln w="25400">
+            <a:solidFill>
+              <a:schemeClr val="accent1">
+                <a:shade val="50000"/>
+              </a:schemeClr>
+            </a:solidFill>
+            <a:prstDash val="solid"/>
+          </a:ln>
+        </p:spPr>
+      </p:sp>
+      <p:sp>
+        <p:nvSpPr>
+          <p:cNvPr id="3" name=" 2"/>
+          <p:cNvSpPr txBox="1">
+            <a:spLocks noGrp="1"/>
+          </p:cNvSpPr>
+          <p:nvPr>
+            <p:ph type="body" sz="quarter" idx="1"/>
+          </p:nvPr>
+        </p:nvSpPr>
+        <p:spPr/>
+        <p:txBody>
+          <a:bodyPr/>
+          <a:lstStyle/>
+          <a:p>
+            <a:endParaRPr lang="en-GB"/>
+          </a:p>
+        </p:txBody>
+      </p:sp>
+    </p:spTree>
+    <p:extLst>
+      <p:ext uri="{BB962C8B-B14F-4D97-AF65-F5344CB8AC3E}">
+        <p14:creationId xmlns:p14="http://schemas.microsoft.com/office/powerpoint/2010/main" val="110207513"/>
+      </p:ext>
+    </p:extLst>
+  </p:cSld>
+  <p:clrMapOvr>
+    <a:masterClrMapping/>
+  </p:clrMapOvr>
+</p:notes>
+</file>
+
+<file path=ppt/notesSlides/notesSlide9.xml><?xml version="1.0" encoding="utf-8"?>
+<p:notes xmlns:a="http://schemas.openxmlformats.org/drawingml/2006/main" xmlns:r="http://schemas.openxmlformats.org/officeDocument/2006/relationships" xmlns:p="http://schemas.openxmlformats.org/presentationml/2006/main">
+  <p:cSld>
+    <p:spTree>
+      <p:nvGrpSpPr>
+        <p:cNvPr id="1" name=""/>
+        <p:cNvGrpSpPr/>
+        <p:nvPr/>
+      </p:nvGrpSpPr>
+      <p:grpSpPr>
+        <a:xfrm>
+          <a:off x="0" y="0"/>
+          <a:ext cx="0" cy="0"/>
+          <a:chOff x="0" y="0"/>
+          <a:chExt cx="0" cy="0"/>
+        </a:xfrm>
+      </p:grpSpPr>
+      <p:sp>
+        <p:nvSpPr>
+          <p:cNvPr id="7" name=" 6"/>
+          <p:cNvSpPr txBox="1">
+            <a:spLocks noGrp="1"/>
+          </p:cNvSpPr>
+          <p:nvPr>
+            <p:ph type="sldNum" sz="quarter" idx="5"/>
+          </p:nvPr>
+        </p:nvSpPr>
+        <p:spPr>
+          <a:ln/>
+        </p:spPr>
+        <p:txBody>
+          <a:bodyPr lIns="0" tIns="0" rIns="0" bIns="0" anchor="b" anchorCtr="0">
+            <a:noAutofit/>
+          </a:bodyPr>
+          <a:lstStyle/>
+          <a:p>
+            <a:pPr lvl="0"/>
+            <a:fld id="{C7824BA0-D50C-4D09-AC63-C3184AE449DA}" type="slidenum">
+              <a:t>26</a:t>
+            </a:fld>
+            <a:endParaRPr lang="en-GB"/>
+          </a:p>
+        </p:txBody>
+      </p:sp>
+      <p:sp>
+        <p:nvSpPr>
+          <p:cNvPr id="2" name="Slide Image Placeholder 1"/>
+          <p:cNvSpPr>
+            <a:spLocks noGrp="1" noRot="1" noChangeAspect="1" noResize="1"/>
+          </p:cNvSpPr>
+          <p:nvPr>
+            <p:ph type="sldImg"/>
+          </p:nvPr>
+        </p:nvSpPr>
+        <p:spPr>
+          <a:xfrm>
+            <a:off x="217488" y="812800"/>
+            <a:ext cx="7123112" cy="4008438"/>
+          </a:xfrm>
+          <a:solidFill>
+            <a:schemeClr val="accent1"/>
+          </a:solidFill>
+          <a:ln w="25400">
+            <a:solidFill>
+              <a:schemeClr val="accent1">
+                <a:shade val="50000"/>
+              </a:schemeClr>
+            </a:solidFill>
+            <a:prstDash val="solid"/>
+          </a:ln>
+        </p:spPr>
+      </p:sp>
+      <p:sp>
+        <p:nvSpPr>
+          <p:cNvPr id="3" name=" 2"/>
+          <p:cNvSpPr txBox="1">
+            <a:spLocks noGrp="1"/>
+          </p:cNvSpPr>
+          <p:nvPr>
+            <p:ph type="body" sz="quarter" idx="1"/>
+          </p:nvPr>
+        </p:nvSpPr>
+        <p:spPr/>
+        <p:txBody>
+          <a:bodyPr/>
+          <a:lstStyle/>
+          <a:p>
+            <a:endParaRPr lang="en-GB"/>
+          </a:p>
+        </p:txBody>
+      </p:sp>
+    </p:spTree>
+    <p:extLst>
+      <p:ext uri="{BB962C8B-B14F-4D97-AF65-F5344CB8AC3E}">
+        <p14:creationId xmlns:p14="http://schemas.microsoft.com/office/powerpoint/2010/main" val="3379221998"/>
       </p:ext>
     </p:extLst>
   </p:cSld>
@@ -9391,13 +9923,13 @@
   <p:clrMapOvr>
     <a:masterClrMapping/>
   </p:clrMapOvr>
-  <mc:AlternateContent xmlns:mc="http://schemas.openxmlformats.org/markup-compatibility/2006">
-    <mc:Choice xmlns:p14="http://schemas.microsoft.com/office/powerpoint/2010/main" Requires="p14">
+  <mc:AlternateContent xmlns:mc="http://schemas.openxmlformats.org/markup-compatibility/2006" xmlns:p14="http://schemas.microsoft.com/office/powerpoint/2010/main">
+    <mc:Choice Requires="p14">
       <p:transition spd="med" p14:dur="700">
         <p:fade/>
       </p:transition>
     </mc:Choice>
-    <mc:Fallback>
+    <mc:Fallback xmlns="">
       <p:transition spd="med">
         <p:fade/>
       </p:transition>
@@ -9430,28 +9962,60 @@
           <a:chExt cx="0" cy="0"/>
         </a:xfrm>
       </p:grpSpPr>
-      <p:sp>
-        <p:nvSpPr>
-          <p:cNvPr id="2" name="Title 1"/>
-          <p:cNvSpPr>
-            <a:spLocks noGrp="1"/>
-          </p:cNvSpPr>
-          <p:nvPr>
-            <p:ph type="title" idx="4294967295"/>
-          </p:nvPr>
-        </p:nvSpPr>
+      <p:pic>
+        <p:nvPicPr>
+          <p:cNvPr id="5" name="Content Placeholder 4" descr="rate_and_review_small.jpg"/>
+          <p:cNvPicPr>
+            <a:picLocks noGrp="1" noChangeAspect="1"/>
+          </p:cNvPicPr>
+          <p:nvPr>
+            <p:ph idx="4294967295"/>
+          </p:nvPr>
+        </p:nvPicPr>
+        <p:blipFill>
+          <a:blip r:embed="rId2">
+            <a:extLst>
+              <a:ext uri="{28A0092B-C50C-407E-A947-70E740481C1C}">
+                <a14:useLocalDpi xmlns:a14="http://schemas.microsoft.com/office/drawing/2010/main" val="0"/>
+              </a:ext>
+            </a:extLst>
+          </a:blip>
+          <a:srcRect t="-17608" b="-17608"/>
+          <a:stretch>
+            <a:fillRect/>
+          </a:stretch>
+        </p:blipFill>
         <p:spPr>
           <a:xfrm>
-            <a:off x="482600" y="1123923"/>
-            <a:ext cx="10058400" cy="1449387"/>
+            <a:off x="2019300" y="2212975"/>
+            <a:ext cx="7556500" cy="4144963"/>
           </a:xfrm>
         </p:spPr>
-        <p:txBody>
-          <a:bodyPr/>
-          <a:lstStyle/>
-          <a:p>
-            <a:r>
-              <a:rPr lang="en-US" dirty="0" smtClean="0">
+      </p:pic>
+      <p:sp>
+        <p:nvSpPr>
+          <p:cNvPr id="4" name="Text Placeholder 3"/>
+          <p:cNvSpPr>
+            <a:spLocks noGrp="1"/>
+          </p:cNvSpPr>
+          <p:nvPr>
+            <p:ph type="body" sz="half" idx="4294967295"/>
+          </p:nvPr>
+        </p:nvSpPr>
+        <p:spPr>
+          <a:xfrm>
+            <a:off x="1460500" y="596899"/>
+            <a:ext cx="8674100" cy="1984375"/>
+          </a:xfrm>
+        </p:spPr>
+        <p:txBody>
+          <a:bodyPr>
+            <a:normAutofit/>
+          </a:bodyPr>
+          <a:lstStyle/>
+          <a:p>
+            <a:r>
+              <a:rPr lang="en-US" sz="2200" dirty="0">
                 <a:solidFill>
                   <a:schemeClr val="tx2">
                     <a:lumMod val="50000"/>
@@ -9459,76 +10023,15 @@
                   </a:schemeClr>
                 </a:solidFill>
               </a:rPr>
-              <a:t>Logged out </a:t>
-            </a:r>
-            <a:r>
-              <a:rPr lang="en-US" dirty="0">
-                <a:solidFill>
-                  <a:schemeClr val="tx2">
-                    <a:lumMod val="50000"/>
-                    <a:lumOff val="50000"/>
-                  </a:schemeClr>
-                </a:solidFill>
-              </a:rPr>
-              <a:t>users cannot </a:t>
-            </a:r>
-            <a:r>
-              <a:rPr lang="en-US" dirty="0" smtClean="0">
-                <a:solidFill>
-                  <a:schemeClr val="tx2">
-                    <a:lumMod val="50000"/>
-                    <a:lumOff val="50000"/>
-                  </a:schemeClr>
-                </a:solidFill>
-              </a:rPr>
-              <a:t>review, just rate.</a:t>
-            </a:r>
-            <a:endParaRPr lang="en-US" dirty="0">
-              <a:solidFill>
-                <a:schemeClr val="tx2">
-                  <a:lumMod val="50000"/>
-                  <a:lumOff val="50000"/>
-                </a:schemeClr>
-              </a:solidFill>
-            </a:endParaRPr>
-          </a:p>
-        </p:txBody>
-      </p:sp>
-      <p:pic>
-        <p:nvPicPr>
-          <p:cNvPr id="7" name="Picture Placeholder 6" descr="cant.jpg"/>
-          <p:cNvPicPr>
-            <a:picLocks noChangeAspect="1"/>
-          </p:cNvPicPr>
-          <p:nvPr/>
-        </p:nvPicPr>
-        <p:blipFill>
-          <a:blip r:embed="rId2" cstate="print">
-            <a:extLst>
-              <a:ext uri="{28A0092B-C50C-407E-A947-70E740481C1C}">
-                <a14:useLocalDpi xmlns:a14="http://schemas.microsoft.com/office/drawing/2010/main" val="0"/>
-              </a:ext>
-            </a:extLst>
-          </a:blip>
-          <a:srcRect l="4947" r="4947"/>
-          <a:stretch>
-            <a:fillRect/>
-          </a:stretch>
-        </p:blipFill>
-        <p:spPr>
-          <a:xfrm>
-            <a:off x="4211181" y="2573310"/>
-            <a:ext cx="3457997" cy="3427259"/>
-          </a:xfrm>
-          <a:prstGeom prst="rect">
-            <a:avLst/>
-          </a:prstGeom>
-        </p:spPr>
-      </p:pic>
+              <a:t>The most important  point is that private users can not rate or review ,  because it is better to be rated by the  user who has already used the  place before. The reviews will be done  by other users of the site, i.e.  those who have  lived at the  accommodation before. </a:t>
+            </a:r>
+          </a:p>
+        </p:txBody>
+      </p:sp>
     </p:spTree>
     <p:extLst>
       <p:ext uri="{BB962C8B-B14F-4D97-AF65-F5344CB8AC3E}">
-        <p14:creationId xmlns:p14="http://schemas.microsoft.com/office/powerpoint/2010/main" val="3095275648"/>
+        <p14:creationId xmlns:p14="http://schemas.microsoft.com/office/powerpoint/2010/main" val="2825025170"/>
       </p:ext>
     </p:extLst>
   </p:cSld>
@@ -9562,153 +10065,6 @@
           <a:chExt cx="0" cy="0"/>
         </a:xfrm>
       </p:grpSpPr>
-      <p:pic>
-        <p:nvPicPr>
-          <p:cNvPr id="5" name="Content Placeholder 4" descr="rate_and_review_small.jpg"/>
-          <p:cNvPicPr>
-            <a:picLocks noGrp="1" noChangeAspect="1"/>
-          </p:cNvPicPr>
-          <p:nvPr>
-            <p:ph idx="4294967295"/>
-          </p:nvPr>
-        </p:nvPicPr>
-        <p:blipFill>
-          <a:blip r:embed="rId2">
-            <a:extLst>
-              <a:ext uri="{28A0092B-C50C-407E-A947-70E740481C1C}">
-                <a14:useLocalDpi xmlns:a14="http://schemas.microsoft.com/office/drawing/2010/main" val="0"/>
-              </a:ext>
-            </a:extLst>
-          </a:blip>
-          <a:srcRect t="-17608" b="-17608"/>
-          <a:stretch>
-            <a:fillRect/>
-          </a:stretch>
-        </p:blipFill>
-        <p:spPr>
-          <a:xfrm>
-            <a:off x="2019300" y="2212975"/>
-            <a:ext cx="7556500" cy="4144963"/>
-          </a:xfrm>
-        </p:spPr>
-      </p:pic>
-      <p:sp>
-        <p:nvSpPr>
-          <p:cNvPr id="4" name="Text Placeholder 3"/>
-          <p:cNvSpPr>
-            <a:spLocks noGrp="1"/>
-          </p:cNvSpPr>
-          <p:nvPr>
-            <p:ph type="body" sz="half" idx="4294967295"/>
-          </p:nvPr>
-        </p:nvSpPr>
-        <p:spPr>
-          <a:xfrm>
-            <a:off x="1460500" y="596899"/>
-            <a:ext cx="8674100" cy="1984375"/>
-          </a:xfrm>
-        </p:spPr>
-        <p:txBody>
-          <a:bodyPr>
-            <a:normAutofit/>
-          </a:bodyPr>
-          <a:lstStyle/>
-          <a:p>
-            <a:r>
-              <a:rPr lang="en-US" sz="2200" dirty="0">
-                <a:solidFill>
-                  <a:schemeClr val="tx2">
-                    <a:lumMod val="50000"/>
-                    <a:lumOff val="50000"/>
-                  </a:schemeClr>
-                </a:solidFill>
-              </a:rPr>
-              <a:t>The most </a:t>
-            </a:r>
-            <a:r>
-              <a:rPr lang="en-US" sz="2200" dirty="0">
-                <a:solidFill>
-                  <a:schemeClr val="tx2">
-                    <a:lumMod val="50000"/>
-                    <a:lumOff val="50000"/>
-                  </a:schemeClr>
-                </a:solidFill>
-              </a:rPr>
-              <a:t>important  point </a:t>
-            </a:r>
-            <a:r>
-              <a:rPr lang="en-US" sz="2200" dirty="0">
-                <a:solidFill>
-                  <a:schemeClr val="tx2">
-                    <a:lumMod val="50000"/>
-                    <a:lumOff val="50000"/>
-                  </a:schemeClr>
-                </a:solidFill>
-              </a:rPr>
-              <a:t>is that private </a:t>
-            </a:r>
-            <a:r>
-              <a:rPr lang="en-US" sz="2200" dirty="0">
-                <a:solidFill>
-                  <a:schemeClr val="tx2">
-                    <a:lumMod val="50000"/>
-                    <a:lumOff val="50000"/>
-                  </a:schemeClr>
-                </a:solidFill>
-              </a:rPr>
-              <a:t>users </a:t>
-            </a:r>
-            <a:r>
-              <a:rPr lang="en-US" sz="2200" dirty="0">
-                <a:solidFill>
-                  <a:schemeClr val="tx2">
-                    <a:lumMod val="50000"/>
-                    <a:lumOff val="50000"/>
-                  </a:schemeClr>
-                </a:solidFill>
-              </a:rPr>
-              <a:t>can not rate or review ,  because it is better to be rated by the  user who has already used the  place before. The reviews will be done  by other users of the site, i.e.  those who have  lived at the  accommodation before. </a:t>
-            </a:r>
-          </a:p>
-        </p:txBody>
-      </p:sp>
-    </p:spTree>
-    <p:extLst>
-      <p:ext uri="{BB962C8B-B14F-4D97-AF65-F5344CB8AC3E}">
-        <p14:creationId xmlns:p14="http://schemas.microsoft.com/office/powerpoint/2010/main" val="2825025170"/>
-      </p:ext>
-    </p:extLst>
-  </p:cSld>
-  <p:clrMapOvr>
-    <a:masterClrMapping/>
-  </p:clrMapOvr>
-  <p:timing>
-    <p:tnLst>
-      <p:par>
-        <p:cTn id="1" dur="indefinite" restart="never" nodeType="tmRoot"/>
-      </p:par>
-    </p:tnLst>
-  </p:timing>
-</p:sld>
-</file>
-
-<file path=ppt/slides/slide12.xml><?xml version="1.0" encoding="utf-8"?>
-<p:sld xmlns:a="http://schemas.openxmlformats.org/drawingml/2006/main" xmlns:r="http://schemas.openxmlformats.org/officeDocument/2006/relationships" xmlns:p="http://schemas.openxmlformats.org/presentationml/2006/main">
-  <p:cSld>
-    <p:spTree>
-      <p:nvGrpSpPr>
-        <p:cNvPr id="1" name=""/>
-        <p:cNvGrpSpPr/>
-        <p:nvPr/>
-      </p:nvGrpSpPr>
-      <p:grpSpPr>
-        <a:xfrm>
-          <a:off x="0" y="0"/>
-          <a:ext cx="0" cy="0"/>
-          <a:chOff x="0" y="0"/>
-          <a:chExt cx="0" cy="0"/>
-        </a:xfrm>
-      </p:grpSpPr>
       <p:sp>
         <p:nvSpPr>
           <p:cNvPr id="2" name="Title 1"/>
@@ -9740,11 +10096,7 @@
             </a:br>
             <a:r>
               <a:rPr lang="en-US" sz="2800" dirty="0"/>
-              <a:t>consist </a:t>
-            </a:r>
-            <a:r>
-              <a:rPr lang="en-US" sz="2800" dirty="0"/>
-              <a:t>of a 5-star rating, and a  possible piece of text that actually </a:t>
+              <a:t>consist of a 5-star rating, and a  possible piece of text that actually </a:t>
             </a:r>
             <a:br>
               <a:rPr lang="en-US" sz="2800" dirty="0"/>
@@ -9805,7 +10157,7 @@
 </p:sld>
 </file>
 
-<file path=ppt/slides/slide13.xml><?xml version="1.0" encoding="utf-8"?>
+<file path=ppt/slides/slide12.xml><?xml version="1.0" encoding="utf-8"?>
 <p:sld xmlns:a="http://schemas.openxmlformats.org/drawingml/2006/main" xmlns:r="http://schemas.openxmlformats.org/officeDocument/2006/relationships" xmlns:p="http://schemas.openxmlformats.org/presentationml/2006/main" show="0">
   <p:cSld>
     <p:spTree>
@@ -9822,32 +10174,6 @@
           <a:chExt cx="0" cy="0"/>
         </a:xfrm>
       </p:grpSpPr>
-      <p:sp>
-        <p:nvSpPr>
-          <p:cNvPr id="2" name="Title 1"/>
-          <p:cNvSpPr>
-            <a:spLocks noGrp="1"/>
-          </p:cNvSpPr>
-          <p:nvPr>
-            <p:ph type="title"/>
-          </p:nvPr>
-        </p:nvSpPr>
-        <p:spPr>
-          <a:xfrm>
-            <a:off x="457200" y="558800"/>
-            <a:ext cx="3200400" cy="734378"/>
-          </a:xfrm>
-        </p:spPr>
-        <p:txBody>
-          <a:bodyPr>
-            <a:noAutofit/>
-          </a:bodyPr>
-          <a:lstStyle/>
-          <a:p>
-            <a:endParaRPr lang="en-US" sz="2200" dirty="0"/>
-          </a:p>
-        </p:txBody>
-      </p:sp>
       <p:pic>
         <p:nvPicPr>
           <p:cNvPr id="9" name="Picture Placeholder 8" descr="2a1c1d8.jpg"/>
@@ -9872,7 +10198,7 @@
         </p:blipFill>
         <p:spPr>
           <a:xfrm>
-            <a:off x="5507037" y="820738"/>
+            <a:off x="4479348" y="-336424"/>
             <a:ext cx="5080000" cy="5080000"/>
           </a:xfrm>
         </p:spPr>
@@ -9889,7 +10215,7 @@
         </p:nvSpPr>
         <p:spPr>
           <a:xfrm>
-            <a:off x="457200" y="1524000"/>
+            <a:off x="454214" y="1049524"/>
             <a:ext cx="3200400" cy="4781204"/>
           </a:xfrm>
         </p:spPr>
@@ -9932,8 +10258,8 @@
         </p:blipFill>
         <p:spPr>
           <a:xfrm>
-            <a:off x="9448800" y="2381250"/>
-            <a:ext cx="2743200" cy="2039938"/>
+            <a:off x="9370053" y="4545781"/>
+            <a:ext cx="2614229" cy="1944031"/>
           </a:xfrm>
         </p:spPr>
       </p:pic>
@@ -9956,8 +10282,8 @@
         </p:blipFill>
         <p:spPr>
           <a:xfrm>
-            <a:off x="9448800" y="2381250"/>
-            <a:ext cx="2743200" cy="4187825"/>
+            <a:off x="10017939" y="438267"/>
+            <a:ext cx="1966343" cy="3001859"/>
           </a:xfrm>
         </p:spPr>
       </p:pic>
@@ -9971,11 +10297,11 @@
   <p:clrMapOvr>
     <a:masterClrMapping/>
   </p:clrMapOvr>
-  <mc:AlternateContent xmlns:mc="http://schemas.openxmlformats.org/markup-compatibility/2006">
-    <mc:Choice xmlns:p14="http://schemas.microsoft.com/office/powerpoint/2010/main" Requires="p14">
+  <mc:AlternateContent xmlns:mc="http://schemas.openxmlformats.org/markup-compatibility/2006" xmlns:p14="http://schemas.microsoft.com/office/powerpoint/2010/main">
+    <mc:Choice Requires="p14">
       <p:transition spd="slow" p14:dur="2000"/>
     </mc:Choice>
-    <mc:Fallback>
+    <mc:Fallback xmlns="">
       <p:transition spd="slow"/>
     </mc:Fallback>
   </mc:AlternateContent>
@@ -9989,7 +10315,7 @@
 </p:sld>
 </file>
 
-<file path=ppt/slides/slide14.xml><?xml version="1.0" encoding="utf-8"?>
+<file path=ppt/slides/slide13.xml><?xml version="1.0" encoding="utf-8"?>
 <p:sld xmlns:a="http://schemas.openxmlformats.org/drawingml/2006/main" xmlns:r="http://schemas.openxmlformats.org/officeDocument/2006/relationships" xmlns:p="http://schemas.openxmlformats.org/presentationml/2006/main">
   <p:cSld>
     <p:spTree>
@@ -10224,11 +10550,129 @@
   <p:clrMapOvr>
     <a:masterClrMapping/>
   </p:clrMapOvr>
-  <mc:AlternateContent xmlns:mc="http://schemas.openxmlformats.org/markup-compatibility/2006">
-    <mc:Choice xmlns:p14="http://schemas.microsoft.com/office/powerpoint/2010/main" Requires="p14">
+  <mc:AlternateContent xmlns:mc="http://schemas.openxmlformats.org/markup-compatibility/2006" xmlns:p14="http://schemas.microsoft.com/office/powerpoint/2010/main">
+    <mc:Choice Requires="p14">
       <p:transition spd="slow" p14:dur="2000"/>
     </mc:Choice>
-    <mc:Fallback>
+    <mc:Fallback xmlns="">
+      <p:transition spd="slow"/>
+    </mc:Fallback>
+  </mc:AlternateContent>
+  <p:timing>
+    <p:tnLst>
+      <p:par>
+        <p:cTn id="1" dur="indefinite" restart="never" nodeType="tmRoot"/>
+      </p:par>
+    </p:tnLst>
+  </p:timing>
+</p:sld>
+</file>
+
+<file path=ppt/slides/slide14.xml><?xml version="1.0" encoding="utf-8"?>
+<p:sld xmlns:a="http://schemas.openxmlformats.org/drawingml/2006/main" xmlns:r="http://schemas.openxmlformats.org/officeDocument/2006/relationships" xmlns:p="http://schemas.openxmlformats.org/presentationml/2006/main">
+  <p:cSld>
+    <p:spTree>
+      <p:nvGrpSpPr>
+        <p:cNvPr id="1" name=""/>
+        <p:cNvGrpSpPr/>
+        <p:nvPr/>
+      </p:nvGrpSpPr>
+      <p:grpSpPr>
+        <a:xfrm>
+          <a:off x="0" y="0"/>
+          <a:ext cx="0" cy="0"/>
+          <a:chOff x="0" y="0"/>
+          <a:chExt cx="0" cy="0"/>
+        </a:xfrm>
+      </p:grpSpPr>
+      <p:sp>
+        <p:nvSpPr>
+          <p:cNvPr id="2" name="Title 1"/>
+          <p:cNvSpPr txBox="1">
+            <a:spLocks noGrp="1"/>
+          </p:cNvSpPr>
+          <p:nvPr>
+            <p:ph type="title" idx="4294967295"/>
+          </p:nvPr>
+        </p:nvSpPr>
+        <p:spPr>
+          <a:xfrm>
+            <a:off x="1097280" y="286603"/>
+            <a:ext cx="10058400" cy="1491397"/>
+          </a:xfrm>
+        </p:spPr>
+        <p:txBody>
+          <a:bodyPr/>
+          <a:lstStyle/>
+          <a:p>
+            <a:pPr lvl="0"/>
+            <a:r>
+              <a:rPr lang="en-GB" dirty="0"/>
+              <a:t>Get to know each other</a:t>
+            </a:r>
+          </a:p>
+        </p:txBody>
+      </p:sp>
+      <p:sp>
+        <p:nvSpPr>
+          <p:cNvPr id="3" name="Text Placeholder 2"/>
+          <p:cNvSpPr txBox="1">
+            <a:spLocks noGrp="1"/>
+          </p:cNvSpPr>
+          <p:nvPr>
+            <p:ph type="body" idx="4294967295"/>
+          </p:nvPr>
+        </p:nvSpPr>
+        <p:spPr>
+          <a:xfrm>
+            <a:off x="1097280" y="2036641"/>
+            <a:ext cx="10058400" cy="3830759"/>
+          </a:xfrm>
+        </p:spPr>
+        <p:txBody>
+          <a:bodyPr>
+            <a:normAutofit/>
+          </a:bodyPr>
+          <a:lstStyle/>
+          <a:p>
+            <a:pPr lvl="0">
+              <a:buSzPct val="45000"/>
+              <a:buFont typeface="StarSymbol"/>
+              <a:buChar char="●"/>
+            </a:pPr>
+            <a:r>
+              <a:rPr lang="en-GB" sz="2400" dirty="0"/>
+              <a:t>Learn more about each other.</a:t>
+            </a:r>
+          </a:p>
+          <a:p>
+            <a:pPr lvl="0">
+              <a:buSzPct val="45000"/>
+              <a:buFont typeface="StarSymbol"/>
+              <a:buChar char="●"/>
+            </a:pPr>
+            <a:r>
+              <a:rPr lang="en-GB" sz="2400" dirty="0"/>
+              <a:t>Familiar platform to communicate with each other</a:t>
+            </a:r>
+          </a:p>
+        </p:txBody>
+      </p:sp>
+    </p:spTree>
+    <p:extLst>
+      <p:ext uri="{BB962C8B-B14F-4D97-AF65-F5344CB8AC3E}">
+        <p14:creationId xmlns:p14="http://schemas.microsoft.com/office/powerpoint/2010/main" val="2228897202"/>
+      </p:ext>
+    </p:extLst>
+  </p:cSld>
+  <p:clrMapOvr>
+    <a:masterClrMapping/>
+  </p:clrMapOvr>
+  <mc:AlternateContent xmlns:mc="http://schemas.openxmlformats.org/markup-compatibility/2006" xmlns:p14="http://schemas.microsoft.com/office/powerpoint/2010/main">
+    <mc:Choice Requires="p14">
+      <p:transition spd="slow" p14:dur="2000"/>
+    </mc:Choice>
+    <mc:Fallback xmlns="">
       <p:transition spd="slow"/>
     </mc:Fallback>
   </mc:AlternateContent>
@@ -10269,38 +10713,33 @@
             <p:ph type="title" idx="4294967295"/>
           </p:nvPr>
         </p:nvSpPr>
+        <p:spPr/>
+        <p:txBody>
+          <a:bodyPr/>
+          <a:lstStyle/>
+          <a:p>
+            <a:pPr lvl="0"/>
+            <a:r>
+              <a:rPr lang="en-GB" dirty="0"/>
+              <a:t>Linking accounts</a:t>
+            </a:r>
+          </a:p>
+        </p:txBody>
+      </p:sp>
+      <p:sp>
+        <p:nvSpPr>
+          <p:cNvPr id="3" name="Text Placeholder 2"/>
+          <p:cNvSpPr txBox="1">
+            <a:spLocks noGrp="1"/>
+          </p:cNvSpPr>
+          <p:nvPr>
+            <p:ph type="body" idx="4294967295"/>
+          </p:nvPr>
+        </p:nvSpPr>
         <p:spPr>
           <a:xfrm>
-            <a:off x="1097280" y="286603"/>
-            <a:ext cx="10058400" cy="1491397"/>
-          </a:xfrm>
-        </p:spPr>
-        <p:txBody>
-          <a:bodyPr/>
-          <a:lstStyle/>
-          <a:p>
-            <a:pPr lvl="0"/>
-            <a:r>
-              <a:rPr lang="en-GB" dirty="0"/>
-              <a:t>Get to know each other</a:t>
-            </a:r>
-          </a:p>
-        </p:txBody>
-      </p:sp>
-      <p:sp>
-        <p:nvSpPr>
-          <p:cNvPr id="3" name="Text Placeholder 2"/>
-          <p:cNvSpPr txBox="1">
-            <a:spLocks noGrp="1"/>
-          </p:cNvSpPr>
-          <p:nvPr>
-            <p:ph type="body" idx="4294967295"/>
-          </p:nvPr>
-        </p:nvSpPr>
-        <p:spPr>
-          <a:xfrm>
-            <a:off x="1097280" y="2036641"/>
-            <a:ext cx="10058400" cy="3830759"/>
+            <a:off x="1097280" y="2095499"/>
+            <a:ext cx="10058399" cy="3946589"/>
           </a:xfrm>
         </p:spPr>
         <p:txBody>
@@ -10316,7 +10755,7 @@
             </a:pPr>
             <a:r>
               <a:rPr lang="en-GB" sz="2400" dirty="0"/>
-              <a:t>Learn more about each other.</a:t>
+              <a:t>Each user will be able to link accounts through a simple settings interface</a:t>
             </a:r>
           </a:p>
           <a:p>
@@ -10327,7 +10766,7 @@
             </a:pPr>
             <a:r>
               <a:rPr lang="en-GB" sz="2400" dirty="0"/>
-              <a:t>Familiar platform to communicate with each other</a:t>
+              <a:t>Connect and disconnect each social media account at the users choice</a:t>
             </a:r>
           </a:p>
         </p:txBody>
@@ -10335,18 +10774,18 @@
     </p:spTree>
     <p:extLst>
       <p:ext uri="{BB962C8B-B14F-4D97-AF65-F5344CB8AC3E}">
-        <p14:creationId xmlns:p14="http://schemas.microsoft.com/office/powerpoint/2010/main" val="2228897202"/>
+        <p14:creationId xmlns:p14="http://schemas.microsoft.com/office/powerpoint/2010/main" val="2985921390"/>
       </p:ext>
     </p:extLst>
   </p:cSld>
   <p:clrMapOvr>
     <a:masterClrMapping/>
   </p:clrMapOvr>
-  <mc:AlternateContent xmlns:mc="http://schemas.openxmlformats.org/markup-compatibility/2006">
-    <mc:Choice xmlns:p14="http://schemas.microsoft.com/office/powerpoint/2010/main" Requires="p14">
+  <mc:AlternateContent xmlns:mc="http://schemas.openxmlformats.org/markup-compatibility/2006" xmlns:p14="http://schemas.microsoft.com/office/powerpoint/2010/main">
+    <mc:Choice Requires="p14">
       <p:transition spd="slow" p14:dur="2000"/>
     </mc:Choice>
-    <mc:Fallback>
+    <mc:Fallback xmlns="">
       <p:transition spd="slow"/>
     </mc:Fallback>
   </mc:AlternateContent>
@@ -10395,7 +10834,7 @@
             <a:pPr lvl="0"/>
             <a:r>
               <a:rPr lang="en-GB" dirty="0"/>
-              <a:t>Linking accounts</a:t>
+              <a:t>Chat System</a:t>
             </a:r>
           </a:p>
         </p:txBody>
@@ -10412,8 +10851,8 @@
         </p:nvSpPr>
         <p:spPr>
           <a:xfrm>
-            <a:off x="1097280" y="2095499"/>
-            <a:ext cx="10058399" cy="3946589"/>
+            <a:off x="1097280" y="2082800"/>
+            <a:ext cx="10058400" cy="3786294"/>
           </a:xfrm>
         </p:spPr>
         <p:txBody>
@@ -10429,7 +10868,7 @@
             </a:pPr>
             <a:r>
               <a:rPr lang="en-GB" sz="2400" dirty="0"/>
-              <a:t>Each user will be able to link accounts through a simple settings interface</a:t>
+              <a:t>We plan on implementing a chat system into the Roomies website</a:t>
             </a:r>
           </a:p>
           <a:p>
@@ -10440,7 +10879,18 @@
             </a:pPr>
             <a:r>
               <a:rPr lang="en-GB" sz="2400" dirty="0"/>
-              <a:t>Connect and disconnect each social media account at the users choice</a:t>
+              <a:t>Remove the need to use alternate websites such as Facebook to communicate</a:t>
+            </a:r>
+          </a:p>
+          <a:p>
+            <a:pPr lvl="0">
+              <a:buSzPct val="45000"/>
+              <a:buFont typeface="StarSymbol"/>
+              <a:buChar char="●"/>
+            </a:pPr>
+            <a:r>
+              <a:rPr lang="en-GB" sz="2400" dirty="0"/>
+              <a:t>Allow users to communicate with the students they are matched with instantly</a:t>
             </a:r>
           </a:p>
         </p:txBody>
@@ -10448,18 +10898,18 @@
     </p:spTree>
     <p:extLst>
       <p:ext uri="{BB962C8B-B14F-4D97-AF65-F5344CB8AC3E}">
-        <p14:creationId xmlns:p14="http://schemas.microsoft.com/office/powerpoint/2010/main" val="2985921390"/>
+        <p14:creationId xmlns:p14="http://schemas.microsoft.com/office/powerpoint/2010/main" val="3116626970"/>
       </p:ext>
     </p:extLst>
   </p:cSld>
   <p:clrMapOvr>
     <a:masterClrMapping/>
   </p:clrMapOvr>
-  <mc:AlternateContent xmlns:mc="http://schemas.openxmlformats.org/markup-compatibility/2006">
-    <mc:Choice xmlns:p14="http://schemas.microsoft.com/office/powerpoint/2010/main" Requires="p14">
+  <mc:AlternateContent xmlns:mc="http://schemas.openxmlformats.org/markup-compatibility/2006" xmlns:p14="http://schemas.microsoft.com/office/powerpoint/2010/main">
+    <mc:Choice Requires="p14">
       <p:transition spd="slow" p14:dur="2000"/>
     </mc:Choice>
-    <mc:Fallback>
+    <mc:Fallback xmlns="">
       <p:transition spd="slow"/>
     </mc:Fallback>
   </mc:AlternateContent>
@@ -10507,8 +10957,8 @@
           <a:p>
             <a:pPr lvl="0"/>
             <a:r>
-              <a:rPr lang="en-GB" dirty="0"/>
-              <a:t>Chat System</a:t>
+              <a:rPr lang="en-GB"/>
+              <a:t>Integrating Facebook Chat</a:t>
             </a:r>
           </a:p>
         </p:txBody>
@@ -10525,8 +10975,8 @@
         </p:nvSpPr>
         <p:spPr>
           <a:xfrm>
-            <a:off x="1097280" y="2082800"/>
-            <a:ext cx="10058400" cy="3786294"/>
+            <a:off x="1097280" y="2235200"/>
+            <a:ext cx="10058400" cy="3633894"/>
           </a:xfrm>
         </p:spPr>
         <p:txBody>
@@ -10542,7 +10992,15 @@
             </a:pPr>
             <a:r>
               <a:rPr lang="en-GB" sz="2400" dirty="0"/>
-              <a:t>We plan on implementing a chat system into the Roomies website</a:t>
+              <a:t>Use the Facebook </a:t>
+            </a:r>
+            <a:r>
+              <a:rPr lang="en-GB" sz="2400" dirty="0" err="1"/>
+              <a:t>api</a:t>
+            </a:r>
+            <a:r>
+              <a:rPr lang="en-GB" sz="2400" dirty="0"/>
+              <a:t> to include Facebook chat into our own chat system</a:t>
             </a:r>
           </a:p>
           <a:p>
@@ -10553,7 +11011,7 @@
             </a:pPr>
             <a:r>
               <a:rPr lang="en-GB" sz="2400" dirty="0"/>
-              <a:t>Remove the need to use alternate websites such as Facebook to communicate</a:t>
+              <a:t>Improve the chances of communication between roommates.</a:t>
             </a:r>
           </a:p>
           <a:p>
@@ -10562,28 +11020,25 @@
               <a:buFont typeface="StarSymbol"/>
               <a:buChar char="●"/>
             </a:pPr>
-            <a:r>
-              <a:rPr lang="en-GB" sz="2400" dirty="0"/>
-              <a:t>Allow users to communicate with the students they are matched with instantly</a:t>
-            </a:r>
+            <a:endParaRPr lang="en-GB" sz="2400" dirty="0"/>
           </a:p>
         </p:txBody>
       </p:sp>
     </p:spTree>
     <p:extLst>
       <p:ext uri="{BB962C8B-B14F-4D97-AF65-F5344CB8AC3E}">
-        <p14:creationId xmlns:p14="http://schemas.microsoft.com/office/powerpoint/2010/main" val="3116626970"/>
+        <p14:creationId xmlns:p14="http://schemas.microsoft.com/office/powerpoint/2010/main" val="4128879150"/>
       </p:ext>
     </p:extLst>
   </p:cSld>
   <p:clrMapOvr>
     <a:masterClrMapping/>
   </p:clrMapOvr>
-  <mc:AlternateContent xmlns:mc="http://schemas.openxmlformats.org/markup-compatibility/2006">
-    <mc:Choice xmlns:p14="http://schemas.microsoft.com/office/powerpoint/2010/main" Requires="p14">
+  <mc:AlternateContent xmlns:mc="http://schemas.openxmlformats.org/markup-compatibility/2006" xmlns:p14="http://schemas.microsoft.com/office/powerpoint/2010/main">
+    <mc:Choice Requires="p14">
       <p:transition spd="slow" p14:dur="2000"/>
     </mc:Choice>
-    <mc:Fallback>
+    <mc:Fallback xmlns="">
       <p:transition spd="slow"/>
     </mc:Fallback>
   </mc:AlternateContent>
@@ -10631,8 +11086,8 @@
           <a:p>
             <a:pPr lvl="0"/>
             <a:r>
-              <a:rPr lang="en-GB"/>
-              <a:t>Integrating Facebook Chat</a:t>
+              <a:rPr lang="en-GB" dirty="0"/>
+              <a:t>Integrating Facebook Comments</a:t>
             </a:r>
           </a:p>
         </p:txBody>
@@ -10649,14 +11104,12 @@
         </p:nvSpPr>
         <p:spPr>
           <a:xfrm>
-            <a:off x="1097280" y="2235200"/>
-            <a:ext cx="10058400" cy="3633894"/>
+            <a:off x="1097280" y="2159000"/>
+            <a:ext cx="10058400" cy="3710094"/>
           </a:xfrm>
         </p:spPr>
         <p:txBody>
-          <a:bodyPr>
-            <a:normAutofit/>
-          </a:bodyPr>
+          <a:bodyPr/>
           <a:lstStyle/>
           <a:p>
             <a:pPr lvl="0">
@@ -10666,53 +11119,33 @@
             </a:pPr>
             <a:r>
               <a:rPr lang="en-GB" sz="2400" dirty="0"/>
-              <a:t>Use the Facebook </a:t>
-            </a:r>
-            <a:r>
-              <a:rPr lang="en-GB" sz="2400" dirty="0" err="1"/>
-              <a:t>api</a:t>
-            </a:r>
-            <a:r>
-              <a:rPr lang="en-GB" sz="2400" dirty="0"/>
-              <a:t> to include Facebook chat into our own chat system</a:t>
-            </a:r>
-          </a:p>
-          <a:p>
-            <a:pPr lvl="0">
+              <a:t>Including Facebook comments for the student accommodation reviews</a:t>
+            </a:r>
+          </a:p>
+          <a:p>
+            <a:pPr marL="0" lvl="0" indent="0">
               <a:buSzPct val="45000"/>
-              <a:buFont typeface="StarSymbol"/>
-              <a:buChar char="●"/>
+              <a:buNone/>
             </a:pPr>
-            <a:r>
-              <a:rPr lang="en-GB" sz="2400" dirty="0"/>
-              <a:t>Improve the chances of communication between roommates.</a:t>
-            </a:r>
-          </a:p>
-          <a:p>
-            <a:pPr lvl="0">
-              <a:buSzPct val="45000"/>
-              <a:buFont typeface="StarSymbol"/>
-              <a:buChar char="●"/>
-            </a:pPr>
-            <a:endParaRPr lang="en-GB" sz="2400" dirty="0"/>
+            <a:endParaRPr lang="en-GB" dirty="0"/>
           </a:p>
         </p:txBody>
       </p:sp>
     </p:spTree>
     <p:extLst>
       <p:ext uri="{BB962C8B-B14F-4D97-AF65-F5344CB8AC3E}">
-        <p14:creationId xmlns:p14="http://schemas.microsoft.com/office/powerpoint/2010/main" val="4128879150"/>
+        <p14:creationId xmlns:p14="http://schemas.microsoft.com/office/powerpoint/2010/main" val="3440907820"/>
       </p:ext>
     </p:extLst>
   </p:cSld>
   <p:clrMapOvr>
     <a:masterClrMapping/>
   </p:clrMapOvr>
-  <mc:AlternateContent xmlns:mc="http://schemas.openxmlformats.org/markup-compatibility/2006">
-    <mc:Choice xmlns:p14="http://schemas.microsoft.com/office/powerpoint/2010/main" Requires="p14">
+  <mc:AlternateContent xmlns:mc="http://schemas.openxmlformats.org/markup-compatibility/2006" xmlns:p14="http://schemas.microsoft.com/office/powerpoint/2010/main">
+    <mc:Choice Requires="p14">
       <p:transition spd="slow" p14:dur="2000"/>
     </mc:Choice>
-    <mc:Fallback>
+    <mc:Fallback xmlns="">
       <p:transition spd="slow"/>
     </mc:Fallback>
   </mc:AlternateContent>
@@ -10745,12 +11178,12 @@
       </p:grpSpPr>
       <p:sp>
         <p:nvSpPr>
-          <p:cNvPr id="2" name="Title 1"/>
-          <p:cNvSpPr txBox="1">
-            <a:spLocks noGrp="1"/>
-          </p:cNvSpPr>
-          <p:nvPr>
-            <p:ph type="title" idx="4294967295"/>
+          <p:cNvPr id="3" name="Content Placeholder 2"/>
+          <p:cNvSpPr>
+            <a:spLocks noGrp="1"/>
+          </p:cNvSpPr>
+          <p:nvPr>
+            <p:ph idx="1"/>
           </p:nvPr>
         </p:nvSpPr>
         <p:spPr/>
@@ -10758,48 +11191,33 @@
           <a:bodyPr/>
           <a:lstStyle/>
           <a:p>
-            <a:pPr lvl="0"/>
-            <a:r>
-              <a:rPr lang="en-GB" dirty="0"/>
-              <a:t>Integrating Facebook Comments</a:t>
-            </a:r>
-          </a:p>
-        </p:txBody>
-      </p:sp>
-      <p:sp>
-        <p:nvSpPr>
-          <p:cNvPr id="3" name="Text Placeholder 2"/>
-          <p:cNvSpPr txBox="1">
-            <a:spLocks noGrp="1"/>
-          </p:cNvSpPr>
-          <p:nvPr>
-            <p:ph type="body" idx="4294967295"/>
+            <a:endParaRPr lang="en-GB"/>
+          </a:p>
+        </p:txBody>
+      </p:sp>
+      <p:sp>
+        <p:nvSpPr>
+          <p:cNvPr id="4" name="Text Placeholder 3"/>
+          <p:cNvSpPr>
+            <a:spLocks noGrp="1"/>
+          </p:cNvSpPr>
+          <p:nvPr>
+            <p:ph type="body" sz="half" idx="2"/>
           </p:nvPr>
         </p:nvSpPr>
         <p:spPr>
           <a:xfrm>
-            <a:off x="1097280" y="2159000"/>
-            <a:ext cx="10058400" cy="3710094"/>
+            <a:off x="360095" y="1477605"/>
+            <a:ext cx="3200400" cy="3379124"/>
           </a:xfrm>
         </p:spPr>
         <p:txBody>
           <a:bodyPr/>
           <a:lstStyle/>
           <a:p>
-            <a:pPr lvl="0">
-              <a:buSzPct val="45000"/>
-              <a:buFont typeface="StarSymbol"/>
-              <a:buChar char="●"/>
-            </a:pPr>
-            <a:r>
-              <a:rPr lang="en-GB" sz="2400" dirty="0"/>
-              <a:t>Including Facebook comments for the student accommodation reviews</a:t>
-            </a:r>
-          </a:p>
-          <a:p>
-            <a:pPr marL="0" lvl="0" indent="0">
-              <a:buSzPct val="45000"/>
-              <a:buNone/>
+            <a:pPr marL="285750" indent="-285750">
+              <a:buFont typeface="Arial" panose="020B0604020202020204" pitchFamily="34" charset="0"/>
+              <a:buChar char="•"/>
             </a:pPr>
             <a:endParaRPr lang="en-GB" dirty="0"/>
           </a:p>
@@ -10808,28 +11226,13 @@
     </p:spTree>
     <p:extLst>
       <p:ext uri="{BB962C8B-B14F-4D97-AF65-F5344CB8AC3E}">
-        <p14:creationId xmlns:p14="http://schemas.microsoft.com/office/powerpoint/2010/main" val="3440907820"/>
+        <p14:creationId xmlns:p14="http://schemas.microsoft.com/office/powerpoint/2010/main" val="1306114995"/>
       </p:ext>
     </p:extLst>
   </p:cSld>
   <p:clrMapOvr>
     <a:masterClrMapping/>
   </p:clrMapOvr>
-  <mc:AlternateContent xmlns:mc="http://schemas.openxmlformats.org/markup-compatibility/2006">
-    <mc:Choice xmlns:p14="http://schemas.microsoft.com/office/powerpoint/2010/main" Requires="p14">
-      <p:transition spd="slow" p14:dur="2000"/>
-    </mc:Choice>
-    <mc:Fallback>
-      <p:transition spd="slow"/>
-    </mc:Fallback>
-  </mc:AlternateContent>
-  <p:timing>
-    <p:tnLst>
-      <p:par>
-        <p:cTn id="1" dur="indefinite" restart="never" nodeType="tmRoot"/>
-      </p:par>
-    </p:tnLst>
-  </p:timing>
 </p:sld>
 </file>
 
@@ -11911,16 +12314,608 @@
           <a:chExt cx="0" cy="0"/>
         </a:xfrm>
       </p:grpSpPr>
+      <p:sp>
+        <p:nvSpPr>
+          <p:cNvPr id="2" name=" 1"/>
+          <p:cNvSpPr txBox="1">
+            <a:spLocks noGrp="1"/>
+          </p:cNvSpPr>
+          <p:nvPr>
+            <p:ph type="title" idx="4294967295"/>
+          </p:nvPr>
+        </p:nvSpPr>
+        <p:spPr>
+          <a:xfrm>
+            <a:off x="1097280" y="1017163"/>
+            <a:ext cx="10058400" cy="720197"/>
+          </a:xfrm>
+        </p:spPr>
+        <p:txBody>
+          <a:bodyPr>
+            <a:spAutoFit/>
+          </a:bodyPr>
+          <a:lstStyle/>
+          <a:p>
+            <a:pPr lvl="0"/>
+            <a:r>
+              <a:rPr lang="en-GB"/>
+              <a:t>Overview on legal and ethical aspects</a:t>
+            </a:r>
+          </a:p>
+        </p:txBody>
+      </p:sp>
+      <p:sp>
+        <p:nvSpPr>
+          <p:cNvPr id="3" name=" 2"/>
+          <p:cNvSpPr txBox="1">
+            <a:spLocks noGrp="1"/>
+          </p:cNvSpPr>
+          <p:nvPr>
+            <p:ph type="subTitle" idx="4294967295"/>
+          </p:nvPr>
+        </p:nvSpPr>
+        <p:spPr>
+          <a:xfrm>
+            <a:off x="1097280" y="2987945"/>
+            <a:ext cx="10058400" cy="1738938"/>
+          </a:xfrm>
+        </p:spPr>
+        <p:txBody>
+          <a:bodyPr anchor="ctr">
+            <a:spAutoFit/>
+          </a:bodyPr>
+          <a:lstStyle/>
+          <a:p>
+            <a:pPr lvl="0" algn="ctr"/>
+            <a:r>
+              <a:rPr lang="en-GB"/>
+              <a:t>* instant messaging</a:t>
+            </a:r>
+          </a:p>
+          <a:p>
+            <a:pPr lvl="0" algn="ctr"/>
+            <a:r>
+              <a:rPr lang="en-GB"/>
+              <a:t>* religion compatibility</a:t>
+            </a:r>
+          </a:p>
+          <a:p>
+            <a:pPr lvl="0" algn="ctr"/>
+            <a:r>
+              <a:rPr lang="en-GB"/>
+              <a:t>* personal informations confidentiality</a:t>
+            </a:r>
+          </a:p>
+          <a:p>
+            <a:pPr lvl="0" algn="ctr"/>
+            <a:r>
+              <a:rPr lang="en-GB"/>
+              <a:t>* the user reviews</a:t>
+            </a:r>
+          </a:p>
+        </p:txBody>
+      </p:sp>
     </p:spTree>
     <p:extLst>
       <p:ext uri="{BB962C8B-B14F-4D97-AF65-F5344CB8AC3E}">
-        <p14:creationId xmlns:p14="http://schemas.microsoft.com/office/powerpoint/2010/main" val="4016765648"/>
+        <p14:creationId xmlns:p14="http://schemas.microsoft.com/office/powerpoint/2010/main" val="1801582240"/>
       </p:ext>
     </p:extLst>
   </p:cSld>
   <p:clrMapOvr>
     <a:masterClrMapping/>
   </p:clrMapOvr>
+  <mc:AlternateContent xmlns:mc="http://schemas.openxmlformats.org/markup-compatibility/2006" xmlns:p14="http://schemas.microsoft.com/office/powerpoint/2010/main">
+    <mc:Choice Requires="p14">
+      <p:transition spd="slow" p14:dur="2000"/>
+    </mc:Choice>
+    <mc:Fallback xmlns="">
+      <p:transition spd="slow"/>
+    </mc:Fallback>
+  </mc:AlternateContent>
+  <p:timing>
+    <p:tnLst>
+      <p:par>
+        <p:cTn id="1" dur="indefinite" restart="never" nodeType="tmRoot"/>
+      </p:par>
+    </p:tnLst>
+  </p:timing>
+</p:sld>
+</file>
+
+<file path=ppt/slides/slide25.xml><?xml version="1.0" encoding="utf-8"?>
+<p:sld xmlns:a="http://schemas.openxmlformats.org/drawingml/2006/main" xmlns:r="http://schemas.openxmlformats.org/officeDocument/2006/relationships" xmlns:p="http://schemas.openxmlformats.org/presentationml/2006/main">
+  <p:cSld>
+    <p:spTree>
+      <p:nvGrpSpPr>
+        <p:cNvPr id="1" name=""/>
+        <p:cNvGrpSpPr/>
+        <p:nvPr/>
+      </p:nvGrpSpPr>
+      <p:grpSpPr>
+        <a:xfrm>
+          <a:off x="0" y="0"/>
+          <a:ext cx="0" cy="0"/>
+          <a:chOff x="0" y="0"/>
+          <a:chExt cx="0" cy="0"/>
+        </a:xfrm>
+      </p:grpSpPr>
+      <p:sp>
+        <p:nvSpPr>
+          <p:cNvPr id="2" name=" 1"/>
+          <p:cNvSpPr txBox="1">
+            <a:spLocks noGrp="1"/>
+          </p:cNvSpPr>
+          <p:nvPr>
+            <p:ph type="title" idx="4294967295"/>
+          </p:nvPr>
+        </p:nvSpPr>
+        <p:spPr/>
+        <p:txBody>
+          <a:bodyPr/>
+          <a:lstStyle/>
+          <a:p>
+            <a:pPr lvl="0"/>
+            <a:r>
+              <a:rPr lang="en-GB"/>
+              <a:t>Instant messaging</a:t>
+            </a:r>
+          </a:p>
+        </p:txBody>
+      </p:sp>
+      <p:sp>
+        <p:nvSpPr>
+          <p:cNvPr id="3" name=" 2"/>
+          <p:cNvSpPr txBox="1">
+            <a:spLocks noGrp="1"/>
+          </p:cNvSpPr>
+          <p:nvPr>
+            <p:ph type="body" idx="4294967295"/>
+          </p:nvPr>
+        </p:nvSpPr>
+        <p:spPr/>
+        <p:txBody>
+          <a:bodyPr/>
+          <a:lstStyle/>
+          <a:p>
+            <a:pPr lvl="0">
+              <a:buSzPct val="45000"/>
+              <a:buFont typeface="StarSymbol"/>
+              <a:buChar char="●"/>
+            </a:pPr>
+            <a:r>
+              <a:rPr lang="en-GB"/>
+              <a:t>The users have to be aware that the messages they are sending and receiving are not private, meaning they are ran through our software</a:t>
+            </a:r>
+          </a:p>
+          <a:p>
+            <a:pPr lvl="0">
+              <a:buSzPct val="45000"/>
+              <a:buFont typeface="StarSymbol"/>
+              <a:buChar char="●"/>
+            </a:pPr>
+            <a:r>
+              <a:rPr lang="en-GB"/>
+              <a:t>This does not mean they will ever be made public</a:t>
+            </a:r>
+          </a:p>
+        </p:txBody>
+      </p:sp>
+    </p:spTree>
+    <p:extLst>
+      <p:ext uri="{BB962C8B-B14F-4D97-AF65-F5344CB8AC3E}">
+        <p14:creationId xmlns:p14="http://schemas.microsoft.com/office/powerpoint/2010/main" val="702645335"/>
+      </p:ext>
+    </p:extLst>
+  </p:cSld>
+  <p:clrMapOvr>
+    <a:masterClrMapping/>
+  </p:clrMapOvr>
+  <mc:AlternateContent xmlns:mc="http://schemas.openxmlformats.org/markup-compatibility/2006" xmlns:p14="http://schemas.microsoft.com/office/powerpoint/2010/main">
+    <mc:Choice Requires="p14">
+      <p:transition spd="slow" p14:dur="2000"/>
+    </mc:Choice>
+    <mc:Fallback xmlns="">
+      <p:transition spd="slow"/>
+    </mc:Fallback>
+  </mc:AlternateContent>
+  <p:timing>
+    <p:tnLst>
+      <p:par>
+        <p:cTn id="1" dur="indefinite" restart="never" nodeType="tmRoot"/>
+      </p:par>
+    </p:tnLst>
+  </p:timing>
+</p:sld>
+</file>
+
+<file path=ppt/slides/slide26.xml><?xml version="1.0" encoding="utf-8"?>
+<p:sld xmlns:a="http://schemas.openxmlformats.org/drawingml/2006/main" xmlns:r="http://schemas.openxmlformats.org/officeDocument/2006/relationships" xmlns:p="http://schemas.openxmlformats.org/presentationml/2006/main">
+  <p:cSld>
+    <p:spTree>
+      <p:nvGrpSpPr>
+        <p:cNvPr id="1" name=""/>
+        <p:cNvGrpSpPr/>
+        <p:nvPr/>
+      </p:nvGrpSpPr>
+      <p:grpSpPr>
+        <a:xfrm>
+          <a:off x="0" y="0"/>
+          <a:ext cx="0" cy="0"/>
+          <a:chOff x="0" y="0"/>
+          <a:chExt cx="0" cy="0"/>
+        </a:xfrm>
+      </p:grpSpPr>
+      <p:sp>
+        <p:nvSpPr>
+          <p:cNvPr id="2" name=" 1"/>
+          <p:cNvSpPr txBox="1">
+            <a:spLocks noGrp="1"/>
+          </p:cNvSpPr>
+          <p:nvPr>
+            <p:ph type="title" idx="4294967295"/>
+          </p:nvPr>
+        </p:nvSpPr>
+        <p:spPr/>
+        <p:txBody>
+          <a:bodyPr/>
+          <a:lstStyle/>
+          <a:p>
+            <a:pPr lvl="0"/>
+            <a:r>
+              <a:rPr lang="en-GB"/>
+              <a:t>Religion compatibility</a:t>
+            </a:r>
+          </a:p>
+        </p:txBody>
+      </p:sp>
+      <p:sp>
+        <p:nvSpPr>
+          <p:cNvPr id="3" name=" 2"/>
+          <p:cNvSpPr txBox="1">
+            <a:spLocks noGrp="1"/>
+          </p:cNvSpPr>
+          <p:nvPr>
+            <p:ph type="body" idx="4294967295"/>
+          </p:nvPr>
+        </p:nvSpPr>
+        <p:spPr/>
+        <p:txBody>
+          <a:bodyPr/>
+          <a:lstStyle/>
+          <a:p>
+            <a:pPr lvl="0">
+              <a:buSzPct val="45000"/>
+              <a:buFont typeface="StarSymbol"/>
+              <a:buChar char="●"/>
+            </a:pPr>
+            <a:r>
+              <a:rPr lang="en-GB"/>
+              <a:t>We had some issues with this aspect of our project because people have different views over the religious beliefs and this can (and in some cases will) lead to conflict between the tenants</a:t>
+            </a:r>
+          </a:p>
+        </p:txBody>
+      </p:sp>
+    </p:spTree>
+    <p:extLst>
+      <p:ext uri="{BB962C8B-B14F-4D97-AF65-F5344CB8AC3E}">
+        <p14:creationId xmlns:p14="http://schemas.microsoft.com/office/powerpoint/2010/main" val="2268395286"/>
+      </p:ext>
+    </p:extLst>
+  </p:cSld>
+  <p:clrMapOvr>
+    <a:masterClrMapping/>
+  </p:clrMapOvr>
+  <mc:AlternateContent xmlns:mc="http://schemas.openxmlformats.org/markup-compatibility/2006" xmlns:p14="http://schemas.microsoft.com/office/powerpoint/2010/main">
+    <mc:Choice Requires="p14">
+      <p:transition spd="slow" p14:dur="2000"/>
+    </mc:Choice>
+    <mc:Fallback xmlns="">
+      <p:transition spd="slow"/>
+    </mc:Fallback>
+  </mc:AlternateContent>
+  <p:timing>
+    <p:tnLst>
+      <p:par>
+        <p:cTn id="1" dur="indefinite" restart="never" nodeType="tmRoot"/>
+      </p:par>
+    </p:tnLst>
+  </p:timing>
+</p:sld>
+</file>
+
+<file path=ppt/slides/slide27.xml><?xml version="1.0" encoding="utf-8"?>
+<p:sld xmlns:a="http://schemas.openxmlformats.org/drawingml/2006/main" xmlns:r="http://schemas.openxmlformats.org/officeDocument/2006/relationships" xmlns:p="http://schemas.openxmlformats.org/presentationml/2006/main">
+  <p:cSld>
+    <p:spTree>
+      <p:nvGrpSpPr>
+        <p:cNvPr id="1" name=""/>
+        <p:cNvGrpSpPr/>
+        <p:nvPr/>
+      </p:nvGrpSpPr>
+      <p:grpSpPr>
+        <a:xfrm>
+          <a:off x="0" y="0"/>
+          <a:ext cx="0" cy="0"/>
+          <a:chOff x="0" y="0"/>
+          <a:chExt cx="0" cy="0"/>
+        </a:xfrm>
+      </p:grpSpPr>
+      <p:sp>
+        <p:nvSpPr>
+          <p:cNvPr id="2" name=" 1"/>
+          <p:cNvSpPr txBox="1">
+            <a:spLocks noGrp="1"/>
+          </p:cNvSpPr>
+          <p:nvPr>
+            <p:ph type="title" idx="4294967295"/>
+          </p:nvPr>
+        </p:nvSpPr>
+        <p:spPr/>
+        <p:txBody>
+          <a:bodyPr/>
+          <a:lstStyle/>
+          <a:p>
+            <a:pPr lvl="0"/>
+            <a:r>
+              <a:rPr lang="en-GB"/>
+              <a:t>Personal informations confidentiality</a:t>
+            </a:r>
+          </a:p>
+        </p:txBody>
+      </p:sp>
+      <p:sp>
+        <p:nvSpPr>
+          <p:cNvPr id="3" name=" 2"/>
+          <p:cNvSpPr txBox="1">
+            <a:spLocks noGrp="1"/>
+          </p:cNvSpPr>
+          <p:nvPr>
+            <p:ph type="body" idx="4294967295"/>
+          </p:nvPr>
+        </p:nvSpPr>
+        <p:spPr/>
+        <p:txBody>
+          <a:bodyPr/>
+          <a:lstStyle/>
+          <a:p>
+            <a:pPr lvl="0">
+              <a:buSzPct val="45000"/>
+              <a:buFont typeface="StarSymbol"/>
+              <a:buChar char="●"/>
+            </a:pPr>
+            <a:r>
+              <a:rPr lang="en-GB"/>
+              <a:t>Almost all of the user's personal information will be made public at some point because when the  engine finds a match both users have access to the other person's profile</a:t>
+            </a:r>
+          </a:p>
+          <a:p>
+            <a:pPr lvl="0">
+              <a:buSzPct val="45000"/>
+              <a:buFont typeface="StarSymbol"/>
+              <a:buChar char="●"/>
+            </a:pPr>
+            <a:r>
+              <a:rPr lang="en-GB"/>
+              <a:t>Only after they have befriended each other the personal informations is to be made public</a:t>
+            </a:r>
+          </a:p>
+        </p:txBody>
+      </p:sp>
+    </p:spTree>
+    <p:extLst>
+      <p:ext uri="{BB962C8B-B14F-4D97-AF65-F5344CB8AC3E}">
+        <p14:creationId xmlns:p14="http://schemas.microsoft.com/office/powerpoint/2010/main" val="2847514262"/>
+      </p:ext>
+    </p:extLst>
+  </p:cSld>
+  <p:clrMapOvr>
+    <a:masterClrMapping/>
+  </p:clrMapOvr>
+  <mc:AlternateContent xmlns:mc="http://schemas.openxmlformats.org/markup-compatibility/2006" xmlns:p14="http://schemas.microsoft.com/office/powerpoint/2010/main">
+    <mc:Choice Requires="p14">
+      <p:transition spd="slow" p14:dur="2000"/>
+    </mc:Choice>
+    <mc:Fallback xmlns="">
+      <p:transition spd="slow"/>
+    </mc:Fallback>
+  </mc:AlternateContent>
+  <p:timing>
+    <p:tnLst>
+      <p:par>
+        <p:cTn id="1" dur="indefinite" restart="never" nodeType="tmRoot"/>
+      </p:par>
+    </p:tnLst>
+  </p:timing>
+</p:sld>
+</file>
+
+<file path=ppt/slides/slide28.xml><?xml version="1.0" encoding="utf-8"?>
+<p:sld xmlns:a="http://schemas.openxmlformats.org/drawingml/2006/main" xmlns:r="http://schemas.openxmlformats.org/officeDocument/2006/relationships" xmlns:p="http://schemas.openxmlformats.org/presentationml/2006/main">
+  <p:cSld>
+    <p:spTree>
+      <p:nvGrpSpPr>
+        <p:cNvPr id="1" name=""/>
+        <p:cNvGrpSpPr/>
+        <p:nvPr/>
+      </p:nvGrpSpPr>
+      <p:grpSpPr>
+        <a:xfrm>
+          <a:off x="0" y="0"/>
+          <a:ext cx="0" cy="0"/>
+          <a:chOff x="0" y="0"/>
+          <a:chExt cx="0" cy="0"/>
+        </a:xfrm>
+      </p:grpSpPr>
+      <p:sp>
+        <p:nvSpPr>
+          <p:cNvPr id="2" name=" 1"/>
+          <p:cNvSpPr txBox="1">
+            <a:spLocks noGrp="1"/>
+          </p:cNvSpPr>
+          <p:nvPr>
+            <p:ph type="title" idx="4294967295"/>
+          </p:nvPr>
+        </p:nvSpPr>
+        <p:spPr/>
+        <p:txBody>
+          <a:bodyPr/>
+          <a:lstStyle/>
+          <a:p>
+            <a:pPr lvl="0"/>
+            <a:r>
+              <a:rPr lang="en-GB"/>
+              <a:t>The user reviews</a:t>
+            </a:r>
+          </a:p>
+        </p:txBody>
+      </p:sp>
+      <p:sp>
+        <p:nvSpPr>
+          <p:cNvPr id="3" name=" 2"/>
+          <p:cNvSpPr txBox="1">
+            <a:spLocks noGrp="1"/>
+          </p:cNvSpPr>
+          <p:nvPr>
+            <p:ph type="body" idx="4294967295"/>
+          </p:nvPr>
+        </p:nvSpPr>
+        <p:spPr/>
+        <p:txBody>
+          <a:bodyPr/>
+          <a:lstStyle/>
+          <a:p>
+            <a:pPr lvl="0">
+              <a:buSzPct val="45000"/>
+              <a:buFont typeface="StarSymbol"/>
+              <a:buChar char="●"/>
+            </a:pPr>
+            <a:r>
+              <a:rPr lang="en-GB"/>
+              <a:t>When agreeing to our terms and conditions the user agrees that his review on an accommodation will be made public after being proofread by a member of the staff</a:t>
+            </a:r>
+          </a:p>
+          <a:p>
+            <a:pPr lvl="0">
+              <a:buSzPct val="45000"/>
+              <a:buFont typeface="StarSymbol"/>
+              <a:buChar char="●"/>
+            </a:pPr>
+            <a:r>
+              <a:rPr lang="en-GB"/>
+              <a:t>Main point about this is for the user to understand that his review will appear on the site after being reviewed by the staff to avoid spam, also their name will appear only if they are logged in</a:t>
+            </a:r>
+          </a:p>
+        </p:txBody>
+      </p:sp>
+    </p:spTree>
+    <p:extLst>
+      <p:ext uri="{BB962C8B-B14F-4D97-AF65-F5344CB8AC3E}">
+        <p14:creationId xmlns:p14="http://schemas.microsoft.com/office/powerpoint/2010/main" val="199516956"/>
+      </p:ext>
+    </p:extLst>
+  </p:cSld>
+  <p:clrMapOvr>
+    <a:masterClrMapping/>
+  </p:clrMapOvr>
+  <mc:AlternateContent xmlns:mc="http://schemas.openxmlformats.org/markup-compatibility/2006" xmlns:p14="http://schemas.microsoft.com/office/powerpoint/2010/main">
+    <mc:Choice Requires="p14">
+      <p:transition spd="slow" p14:dur="2000"/>
+    </mc:Choice>
+    <mc:Fallback xmlns="">
+      <p:transition spd="slow"/>
+    </mc:Fallback>
+  </mc:AlternateContent>
+  <p:timing>
+    <p:tnLst>
+      <p:par>
+        <p:cTn id="1" dur="indefinite" restart="never" nodeType="tmRoot"/>
+      </p:par>
+    </p:tnLst>
+  </p:timing>
+</p:sld>
+</file>
+
+<file path=ppt/slides/slide29.xml><?xml version="1.0" encoding="utf-8"?>
+<p:sld xmlns:a="http://schemas.openxmlformats.org/drawingml/2006/main" xmlns:r="http://schemas.openxmlformats.org/officeDocument/2006/relationships" xmlns:p="http://schemas.openxmlformats.org/presentationml/2006/main">
+  <p:cSld>
+    <p:spTree>
+      <p:nvGrpSpPr>
+        <p:cNvPr id="1" name=""/>
+        <p:cNvGrpSpPr/>
+        <p:nvPr/>
+      </p:nvGrpSpPr>
+      <p:grpSpPr>
+        <a:xfrm>
+          <a:off x="0" y="0"/>
+          <a:ext cx="0" cy="0"/>
+          <a:chOff x="0" y="0"/>
+          <a:chExt cx="0" cy="0"/>
+        </a:xfrm>
+      </p:grpSpPr>
+      <p:pic>
+        <p:nvPicPr>
+          <p:cNvPr id="1027" name="Picture 3" descr="F:\Kanoshi\Documents\Git\Roomies\resources\presentation1\Roomies-Poster-Daniel-7.png"/>
+          <p:cNvPicPr>
+            <a:picLocks noChangeAspect="1" noChangeArrowheads="1"/>
+          </p:cNvPicPr>
+          <p:nvPr/>
+        </p:nvPicPr>
+        <p:blipFill>
+          <a:blip r:embed="rId2" cstate="print">
+            <a:extLst>
+              <a:ext uri="{28A0092B-C50C-407E-A947-70E740481C1C}">
+                <a14:useLocalDpi xmlns:a14="http://schemas.microsoft.com/office/drawing/2010/main" val="0"/>
+              </a:ext>
+            </a:extLst>
+          </a:blip>
+          <a:srcRect/>
+          <a:stretch>
+            <a:fillRect/>
+          </a:stretch>
+        </p:blipFill>
+        <p:spPr bwMode="auto">
+          <a:xfrm>
+            <a:off x="-4706144" y="1122362"/>
+            <a:ext cx="21604288" cy="5735638"/>
+          </a:xfrm>
+          <a:prstGeom prst="rect">
+            <a:avLst/>
+          </a:prstGeom>
+          <a:noFill/>
+          <a:extLst>
+            <a:ext uri="{909E8E84-426E-40DD-AFC4-6F175D3DCCD1}">
+              <a14:hiddenFill xmlns:a14="http://schemas.microsoft.com/office/drawing/2010/main">
+                <a:solidFill>
+                  <a:srgbClr val="FFFFFF"/>
+                </a:solidFill>
+              </a14:hiddenFill>
+            </a:ext>
+          </a:extLst>
+        </p:spPr>
+      </p:pic>
+    </p:spTree>
+    <p:extLst>
+      <p:ext uri="{BB962C8B-B14F-4D97-AF65-F5344CB8AC3E}">
+        <p14:creationId xmlns:p14="http://schemas.microsoft.com/office/powerpoint/2010/main" val="2311251432"/>
+      </p:ext>
+    </p:extLst>
+  </p:cSld>
+  <p:clrMapOvr>
+    <a:masterClrMapping/>
+  </p:clrMapOvr>
+  <mc:AlternateContent xmlns:mc="http://schemas.openxmlformats.org/markup-compatibility/2006">
+    <mc:Choice xmlns:p14="http://schemas.microsoft.com/office/powerpoint/2010/main" Requires="p14">
+      <p:transition spd="med" p14:dur="700">
+        <p:fade/>
+      </p:transition>
+    </mc:Choice>
+    <mc:Fallback>
+      <p:transition spd="med">
+        <p:fade/>
+      </p:transition>
+    </mc:Fallback>
+  </mc:AlternateContent>
   <p:timing>
     <p:tnLst>
       <p:par>
@@ -13263,7 +14258,6 @@
               <a:rPr lang="en-GB" dirty="0"/>
               <a:t>The point of adding people is because they are a potential room-mate!</a:t>
             </a:r>
-            <a:endParaRPr lang="en-GB" dirty="0"/>
           </a:p>
         </p:txBody>
       </p:sp>
@@ -14313,56 +15307,189 @@
           <a:chExt cx="0" cy="0"/>
         </a:xfrm>
       </p:grpSpPr>
-      <p:sp>
-        <p:nvSpPr>
-          <p:cNvPr id="2" name="Title 1"/>
-          <p:cNvSpPr>
-            <a:spLocks noGrp="1"/>
-          </p:cNvSpPr>
-          <p:nvPr>
-            <p:ph type="ctrTitle"/>
-          </p:nvPr>
-        </p:nvSpPr>
+      <p:pic>
+        <p:nvPicPr>
+          <p:cNvPr id="6" name="Content Placeholder 5" descr="uowlivingbanner.jpg+w=606.jpeg"/>
+          <p:cNvPicPr>
+            <a:picLocks noGrp="1" noChangeAspect="1"/>
+          </p:cNvPicPr>
+          <p:nvPr>
+            <p:ph idx="4294967295"/>
+          </p:nvPr>
+        </p:nvPicPr>
+        <p:blipFill>
+          <a:blip r:embed="rId2">
+            <a:extLst>
+              <a:ext uri="{28A0092B-C50C-407E-A947-70E740481C1C}">
+                <a14:useLocalDpi xmlns:a14="http://schemas.microsoft.com/office/drawing/2010/main" val="0"/>
+              </a:ext>
+            </a:extLst>
+          </a:blip>
+          <a:srcRect l="23948" r="23948"/>
+          <a:stretch>
+            <a:fillRect/>
+          </a:stretch>
+        </p:blipFill>
         <p:spPr>
           <a:xfrm>
-            <a:off x="2180104" y="4691479"/>
-            <a:ext cx="8650036" cy="933450"/>
+            <a:off x="5699125" y="731838"/>
+            <a:ext cx="6492875" cy="5257800"/>
           </a:xfrm>
         </p:spPr>
+      </p:pic>
+      <p:sp>
+        <p:nvSpPr>
+          <p:cNvPr id="4" name="Text Placeholder 3"/>
+          <p:cNvSpPr>
+            <a:spLocks noGrp="1"/>
+          </p:cNvSpPr>
+          <p:nvPr>
+            <p:ph type="body" sz="half" idx="4294967295"/>
+          </p:nvPr>
+        </p:nvSpPr>
+        <p:spPr>
+          <a:xfrm>
+            <a:off x="1812616" y="1422203"/>
+            <a:ext cx="8949791" cy="3473478"/>
+          </a:xfrm>
+        </p:spPr>
         <p:txBody>
           <a:bodyPr>
-            <a:noAutofit/>
+            <a:normAutofit fontScale="92500" lnSpcReduction="20000"/>
           </a:bodyPr>
           <a:lstStyle/>
           <a:p>
             <a:r>
-              <a:rPr lang="en-US" sz="4400" b="1" dirty="0">
-                <a:solidFill>
-                  <a:schemeClr val="tx2">
-                    <a:lumMod val="50000"/>
-                    <a:lumOff val="50000"/>
-                  </a:schemeClr>
-                </a:solidFill>
-                <a:latin typeface="Athelas Regular"/>
-                <a:cs typeface="Athelas Regular"/>
-              </a:rPr>
-              <a:t>Student accommodation review</a:t>
-            </a:r>
-            <a:endParaRPr lang="en-US" sz="4400" dirty="0">
-              <a:solidFill>
-                <a:schemeClr val="tx2">
-                  <a:lumMod val="50000"/>
-                  <a:lumOff val="50000"/>
-                </a:schemeClr>
-              </a:solidFill>
-            </a:endParaRPr>
+              <a:rPr lang="en-US" sz="1600" dirty="0"/>
+              <a:t> First of all, the site will help </a:t>
+            </a:r>
+          </a:p>
+          <a:p>
+            <a:r>
+              <a:rPr lang="en-US" sz="1600" dirty="0"/>
+              <a:t>students find roommates and </a:t>
+            </a:r>
+          </a:p>
+          <a:p>
+            <a:r>
+              <a:rPr lang="en-US" sz="1600" dirty="0"/>
+              <a:t>help them to find </a:t>
+            </a:r>
+          </a:p>
+          <a:p>
+            <a:r>
+              <a:rPr lang="en-US" sz="1600" dirty="0"/>
+              <a:t>accommodation . If the user  </a:t>
+            </a:r>
+          </a:p>
+          <a:p>
+            <a:r>
+              <a:rPr lang="en-US" sz="1600" dirty="0"/>
+              <a:t>wants to get  private </a:t>
+            </a:r>
+          </a:p>
+          <a:p>
+            <a:r>
+              <a:rPr lang="en-US" sz="1600" dirty="0"/>
+              <a:t>accommodation   or live in </a:t>
+            </a:r>
+          </a:p>
+          <a:p>
+            <a:r>
+              <a:rPr lang="en-US" sz="1600" dirty="0"/>
+              <a:t>the halls on campus, this  </a:t>
+            </a:r>
+          </a:p>
+          <a:p>
+            <a:r>
+              <a:rPr lang="en-US" sz="1600" dirty="0"/>
+              <a:t>website could  help them to </a:t>
+            </a:r>
+          </a:p>
+          <a:p>
+            <a:r>
+              <a:rPr lang="en-US" sz="1600" dirty="0"/>
+              <a:t>choose  which halls they’d </a:t>
+            </a:r>
+          </a:p>
+          <a:p>
+            <a:r>
+              <a:rPr lang="en-US" sz="1600" dirty="0"/>
+              <a:t>prefer to live  in  with </a:t>
+            </a:r>
+            <a:r>
+              <a:rPr lang="en-US" sz="1600" dirty="0" smtClean="0"/>
+              <a:t>roommate(s</a:t>
+            </a:r>
+            <a:r>
+              <a:rPr lang="en-US" sz="1600" dirty="0"/>
+              <a:t>) that  have </a:t>
+            </a:r>
+            <a:r>
+              <a:rPr lang="en-US" sz="1600" dirty="0" err="1" smtClean="0"/>
+              <a:t>lready</a:t>
+            </a:r>
+            <a:r>
+              <a:rPr lang="en-US" sz="1600" dirty="0" smtClean="0"/>
+              <a:t> </a:t>
+            </a:r>
+            <a:r>
+              <a:rPr lang="en-US" sz="1600" dirty="0"/>
+              <a:t>found from </a:t>
+            </a:r>
+            <a:r>
+              <a:rPr lang="en-US" sz="1600" dirty="0" smtClean="0"/>
+              <a:t> roommate  </a:t>
+            </a:r>
+            <a:r>
+              <a:rPr lang="en-US" sz="1600" dirty="0"/>
+              <a:t>matcher </a:t>
+            </a:r>
+            <a:r>
+              <a:rPr lang="en-US" sz="1600" dirty="0" smtClean="0"/>
+              <a:t>.</a:t>
+            </a:r>
+            <a:endParaRPr lang="en-US" sz="1600" dirty="0"/>
+          </a:p>
+          <a:p>
+            <a:endParaRPr lang="en-US" sz="1600" dirty="0"/>
+          </a:p>
+        </p:txBody>
+      </p:sp>
+      <p:sp>
+        <p:nvSpPr>
+          <p:cNvPr id="2" name="TextBox 1"/>
+          <p:cNvSpPr txBox="1"/>
+          <p:nvPr/>
+        </p:nvSpPr>
+        <p:spPr>
+          <a:xfrm>
+            <a:off x="3601629" y="254089"/>
+            <a:ext cx="4033733" cy="553998"/>
+          </a:xfrm>
+          <a:prstGeom prst="rect">
+            <a:avLst/>
+          </a:prstGeom>
+          <a:noFill/>
+        </p:spPr>
+        <p:txBody>
+          <a:bodyPr wrap="none" rtlCol="0">
+            <a:spAutoFit/>
+          </a:bodyPr>
+          <a:lstStyle/>
+          <a:p>
+            <a:r>
+              <a:rPr lang="en-GB" sz="3000" dirty="0" smtClean="0"/>
+              <a:t>Accommodation reviews</a:t>
+            </a:r>
+            <a:endParaRPr lang="en-GB" sz="3000" dirty="0"/>
           </a:p>
         </p:txBody>
       </p:sp>
     </p:spTree>
     <p:extLst>
       <p:ext uri="{BB962C8B-B14F-4D97-AF65-F5344CB8AC3E}">
-        <p14:creationId xmlns:p14="http://schemas.microsoft.com/office/powerpoint/2010/main" val="1896713373"/>
+        <p14:creationId xmlns:p14="http://schemas.microsoft.com/office/powerpoint/2010/main" val="167553770"/>
       </p:ext>
     </p:extLst>
   </p:cSld>
@@ -14396,211 +15523,105 @@
           <a:chExt cx="0" cy="0"/>
         </a:xfrm>
       </p:grpSpPr>
+      <p:sp>
+        <p:nvSpPr>
+          <p:cNvPr id="2" name="Title 1"/>
+          <p:cNvSpPr>
+            <a:spLocks noGrp="1"/>
+          </p:cNvSpPr>
+          <p:nvPr>
+            <p:ph type="title" idx="4294967295"/>
+          </p:nvPr>
+        </p:nvSpPr>
+        <p:spPr>
+          <a:xfrm>
+            <a:off x="482600" y="1123923"/>
+            <a:ext cx="10058400" cy="1449387"/>
+          </a:xfrm>
+        </p:spPr>
+        <p:txBody>
+          <a:bodyPr/>
+          <a:lstStyle/>
+          <a:p>
+            <a:r>
+              <a:rPr lang="en-US" dirty="0" smtClean="0">
+                <a:solidFill>
+                  <a:schemeClr val="tx2">
+                    <a:lumMod val="50000"/>
+                    <a:lumOff val="50000"/>
+                  </a:schemeClr>
+                </a:solidFill>
+              </a:rPr>
+              <a:t>Logged out </a:t>
+            </a:r>
+            <a:r>
+              <a:rPr lang="en-US" dirty="0">
+                <a:solidFill>
+                  <a:schemeClr val="tx2">
+                    <a:lumMod val="50000"/>
+                    <a:lumOff val="50000"/>
+                  </a:schemeClr>
+                </a:solidFill>
+              </a:rPr>
+              <a:t>users cannot </a:t>
+            </a:r>
+            <a:r>
+              <a:rPr lang="en-US" dirty="0" smtClean="0">
+                <a:solidFill>
+                  <a:schemeClr val="tx2">
+                    <a:lumMod val="50000"/>
+                    <a:lumOff val="50000"/>
+                  </a:schemeClr>
+                </a:solidFill>
+              </a:rPr>
+              <a:t>review, just rate.</a:t>
+            </a:r>
+            <a:endParaRPr lang="en-US" dirty="0">
+              <a:solidFill>
+                <a:schemeClr val="tx2">
+                  <a:lumMod val="50000"/>
+                  <a:lumOff val="50000"/>
+                </a:schemeClr>
+              </a:solidFill>
+            </a:endParaRPr>
+          </a:p>
+        </p:txBody>
+      </p:sp>
       <p:pic>
         <p:nvPicPr>
-          <p:cNvPr id="6" name="Content Placeholder 5" descr="uowlivingbanner.jpg+w=606.jpeg"/>
+          <p:cNvPr id="7" name="Picture Placeholder 6" descr="cant.jpg"/>
           <p:cNvPicPr>
-            <a:picLocks noGrp="1" noChangeAspect="1"/>
+            <a:picLocks noChangeAspect="1"/>
           </p:cNvPicPr>
-          <p:nvPr>
-            <p:ph idx="1"/>
-          </p:nvPr>
+          <p:nvPr/>
         </p:nvPicPr>
         <p:blipFill>
-          <a:blip r:embed="rId2">
+          <a:blip r:embed="rId2" cstate="print">
             <a:extLst>
               <a:ext uri="{28A0092B-C50C-407E-A947-70E740481C1C}">
                 <a14:useLocalDpi xmlns:a14="http://schemas.microsoft.com/office/drawing/2010/main" val="0"/>
               </a:ext>
             </a:extLst>
           </a:blip>
-          <a:srcRect l="23948" r="23948"/>
+          <a:srcRect l="4947" r="4947"/>
           <a:stretch>
             <a:fillRect/>
           </a:stretch>
         </p:blipFill>
-        <p:spPr/>
-      </p:pic>
-      <p:sp>
-        <p:nvSpPr>
-          <p:cNvPr id="4" name="Text Placeholder 3"/>
-          <p:cNvSpPr>
-            <a:spLocks noGrp="1"/>
-          </p:cNvSpPr>
-          <p:nvPr>
-            <p:ph type="body" sz="half" idx="2"/>
-          </p:nvPr>
-        </p:nvSpPr>
         <p:spPr>
           <a:xfrm>
-            <a:off x="419193" y="731520"/>
-            <a:ext cx="3255264" cy="5257800"/>
+            <a:off x="4211181" y="2573310"/>
+            <a:ext cx="3457997" cy="3427259"/>
           </a:xfrm>
+          <a:prstGeom prst="rect">
+            <a:avLst/>
+          </a:prstGeom>
         </p:spPr>
-        <p:txBody>
-          <a:bodyPr>
-            <a:noAutofit/>
-          </a:bodyPr>
-          <a:lstStyle/>
-          <a:p>
-            <a:r>
-              <a:rPr lang="en-US" sz="1600" dirty="0"/>
-              <a:t> First of all, the site will help </a:t>
-            </a:r>
-            <a:endParaRPr lang="en-US" sz="1600" dirty="0"/>
-          </a:p>
-          <a:p>
-            <a:r>
-              <a:rPr lang="en-US" sz="1600" dirty="0"/>
-              <a:t>students find </a:t>
-            </a:r>
-            <a:r>
-              <a:rPr lang="en-US" sz="1600" dirty="0"/>
-              <a:t>roommates and </a:t>
-            </a:r>
-            <a:endParaRPr lang="en-US" sz="1600" dirty="0"/>
-          </a:p>
-          <a:p>
-            <a:r>
-              <a:rPr lang="en-US" sz="1600" dirty="0"/>
-              <a:t>help </a:t>
-            </a:r>
-            <a:r>
-              <a:rPr lang="en-US" sz="1600" dirty="0"/>
-              <a:t>them </a:t>
-            </a:r>
-            <a:r>
-              <a:rPr lang="en-US" sz="1600" dirty="0"/>
-              <a:t>to find </a:t>
-            </a:r>
-          </a:p>
-          <a:p>
-            <a:r>
-              <a:rPr lang="en-US" sz="1600" dirty="0"/>
-              <a:t>accommodation </a:t>
-            </a:r>
-            <a:r>
-              <a:rPr lang="en-US" sz="1600" dirty="0"/>
-              <a:t>. If the user  </a:t>
-            </a:r>
-            <a:endParaRPr lang="en-US" sz="1600" dirty="0"/>
-          </a:p>
-          <a:p>
-            <a:r>
-              <a:rPr lang="en-US" sz="1600" dirty="0"/>
-              <a:t>wants </a:t>
-            </a:r>
-            <a:r>
-              <a:rPr lang="en-US" sz="1600" dirty="0"/>
-              <a:t>to get  private </a:t>
-            </a:r>
-            <a:endParaRPr lang="en-US" sz="1600" dirty="0"/>
-          </a:p>
-          <a:p>
-            <a:r>
-              <a:rPr lang="en-US" sz="1600" dirty="0"/>
-              <a:t>accommodation   </a:t>
-            </a:r>
-            <a:r>
-              <a:rPr lang="en-US" sz="1600" dirty="0"/>
-              <a:t>or live in </a:t>
-            </a:r>
-            <a:endParaRPr lang="en-US" sz="1600" dirty="0"/>
-          </a:p>
-          <a:p>
-            <a:r>
-              <a:rPr lang="en-US" sz="1600" dirty="0"/>
-              <a:t>t</a:t>
-            </a:r>
-            <a:r>
-              <a:rPr lang="en-US" sz="1600" dirty="0"/>
-              <a:t>he halls </a:t>
-            </a:r>
-            <a:r>
-              <a:rPr lang="en-US" sz="1600" dirty="0"/>
-              <a:t>on campus, this </a:t>
-            </a:r>
-            <a:r>
-              <a:rPr lang="en-US" sz="1600" dirty="0"/>
-              <a:t> </a:t>
-            </a:r>
-          </a:p>
-          <a:p>
-            <a:r>
-              <a:rPr lang="en-US" sz="1600" dirty="0"/>
-              <a:t>w</a:t>
-            </a:r>
-            <a:r>
-              <a:rPr lang="en-US" sz="1600" dirty="0"/>
-              <a:t>ebsite could  </a:t>
-            </a:r>
-            <a:r>
-              <a:rPr lang="en-US" sz="1600" dirty="0"/>
-              <a:t>help them to </a:t>
-            </a:r>
-            <a:endParaRPr lang="en-US" sz="1600" dirty="0"/>
-          </a:p>
-          <a:p>
-            <a:r>
-              <a:rPr lang="en-US" sz="1600" dirty="0"/>
-              <a:t>choose  </a:t>
-            </a:r>
-            <a:r>
-              <a:rPr lang="en-US" sz="1600" dirty="0"/>
-              <a:t>which halls they’d </a:t>
-            </a:r>
-            <a:endParaRPr lang="en-US" sz="1600" dirty="0"/>
-          </a:p>
-          <a:p>
-            <a:r>
-              <a:rPr lang="en-US" sz="1600" dirty="0"/>
-              <a:t>prefer </a:t>
-            </a:r>
-            <a:r>
-              <a:rPr lang="en-US" sz="1600" dirty="0"/>
-              <a:t>to live </a:t>
-            </a:r>
-            <a:r>
-              <a:rPr lang="en-US" sz="1600" dirty="0"/>
-              <a:t> in  with </a:t>
-            </a:r>
-          </a:p>
-          <a:p>
-            <a:r>
-              <a:rPr lang="en-US" sz="1600" dirty="0"/>
-              <a:t>roommate(s) </a:t>
-            </a:r>
-            <a:r>
-              <a:rPr lang="en-US" sz="1600" dirty="0"/>
-              <a:t>that  have </a:t>
-            </a:r>
-            <a:endParaRPr lang="en-US" sz="1600" dirty="0"/>
-          </a:p>
-          <a:p>
-            <a:r>
-              <a:rPr lang="en-US" sz="1600" dirty="0"/>
-              <a:t>already found from </a:t>
-            </a:r>
-          </a:p>
-          <a:p>
-            <a:r>
-              <a:rPr lang="en-US" sz="1600" dirty="0"/>
-              <a:t>roommate  matcher </a:t>
-            </a:r>
-            <a:r>
-              <a:rPr lang="en-US" sz="1600" dirty="0"/>
-              <a:t>.</a:t>
-            </a:r>
-          </a:p>
-          <a:p>
-            <a:endParaRPr lang="en-US" sz="1600" dirty="0"/>
-          </a:p>
-        </p:txBody>
-      </p:sp>
+      </p:pic>
     </p:spTree>
     <p:extLst>
       <p:ext uri="{BB962C8B-B14F-4D97-AF65-F5344CB8AC3E}">
-        <p14:creationId xmlns:p14="http://schemas.microsoft.com/office/powerpoint/2010/main" val="167553770"/>
+        <p14:creationId xmlns:p14="http://schemas.microsoft.com/office/powerpoint/2010/main" val="3095275648"/>
       </p:ext>
     </p:extLst>
   </p:cSld>
